--- a/ducog2023/language_SL_SEM.pptx
+++ b/ducog2023/language_SL_SEM.pptx
@@ -7,14 +7,14 @@
   <p:sldIdLst>
     <p:sldId id="256" r:id="rId2"/>
   </p:sldIdLst>
-  <p:sldSz cx="12192000" cy="6858000"/>
+  <p:sldSz cx="30275213" cy="42803763"/>
   <p:notesSz cx="6858000" cy="9144000"/>
   <p:defaultTextStyle>
     <a:defPPr>
       <a:defRPr lang="en-US"/>
     </a:defPPr>
-    <a:lvl1pPr marL="0" algn="l" defTabSz="914400" rtl="0" eaLnBrk="1" latinLnBrk="0" hangingPunct="1">
-      <a:defRPr sz="1800" kern="1200">
+    <a:lvl1pPr marL="0" algn="l" defTabSz="3507730" rtl="0" eaLnBrk="1" latinLnBrk="0" hangingPunct="1">
+      <a:defRPr sz="6905" kern="1200">
         <a:solidFill>
           <a:schemeClr val="tx1"/>
         </a:solidFill>
@@ -23,8 +23,8 @@
         <a:cs typeface="+mn-cs"/>
       </a:defRPr>
     </a:lvl1pPr>
-    <a:lvl2pPr marL="457200" algn="l" defTabSz="914400" rtl="0" eaLnBrk="1" latinLnBrk="0" hangingPunct="1">
-      <a:defRPr sz="1800" kern="1200">
+    <a:lvl2pPr marL="1753865" algn="l" defTabSz="3507730" rtl="0" eaLnBrk="1" latinLnBrk="0" hangingPunct="1">
+      <a:defRPr sz="6905" kern="1200">
         <a:solidFill>
           <a:schemeClr val="tx1"/>
         </a:solidFill>
@@ -33,8 +33,8 @@
         <a:cs typeface="+mn-cs"/>
       </a:defRPr>
     </a:lvl2pPr>
-    <a:lvl3pPr marL="914400" algn="l" defTabSz="914400" rtl="0" eaLnBrk="1" latinLnBrk="0" hangingPunct="1">
-      <a:defRPr sz="1800" kern="1200">
+    <a:lvl3pPr marL="3507730" algn="l" defTabSz="3507730" rtl="0" eaLnBrk="1" latinLnBrk="0" hangingPunct="1">
+      <a:defRPr sz="6905" kern="1200">
         <a:solidFill>
           <a:schemeClr val="tx1"/>
         </a:solidFill>
@@ -43,8 +43,8 @@
         <a:cs typeface="+mn-cs"/>
       </a:defRPr>
     </a:lvl3pPr>
-    <a:lvl4pPr marL="1371600" algn="l" defTabSz="914400" rtl="0" eaLnBrk="1" latinLnBrk="0" hangingPunct="1">
-      <a:defRPr sz="1800" kern="1200">
+    <a:lvl4pPr marL="5261595" algn="l" defTabSz="3507730" rtl="0" eaLnBrk="1" latinLnBrk="0" hangingPunct="1">
+      <a:defRPr sz="6905" kern="1200">
         <a:solidFill>
           <a:schemeClr val="tx1"/>
         </a:solidFill>
@@ -53,8 +53,8 @@
         <a:cs typeface="+mn-cs"/>
       </a:defRPr>
     </a:lvl4pPr>
-    <a:lvl5pPr marL="1828800" algn="l" defTabSz="914400" rtl="0" eaLnBrk="1" latinLnBrk="0" hangingPunct="1">
-      <a:defRPr sz="1800" kern="1200">
+    <a:lvl5pPr marL="7015460" algn="l" defTabSz="3507730" rtl="0" eaLnBrk="1" latinLnBrk="0" hangingPunct="1">
+      <a:defRPr sz="6905" kern="1200">
         <a:solidFill>
           <a:schemeClr val="tx1"/>
         </a:solidFill>
@@ -63,8 +63,8 @@
         <a:cs typeface="+mn-cs"/>
       </a:defRPr>
     </a:lvl5pPr>
-    <a:lvl6pPr marL="2286000" algn="l" defTabSz="914400" rtl="0" eaLnBrk="1" latinLnBrk="0" hangingPunct="1">
-      <a:defRPr sz="1800" kern="1200">
+    <a:lvl6pPr marL="8769325" algn="l" defTabSz="3507730" rtl="0" eaLnBrk="1" latinLnBrk="0" hangingPunct="1">
+      <a:defRPr sz="6905" kern="1200">
         <a:solidFill>
           <a:schemeClr val="tx1"/>
         </a:solidFill>
@@ -73,8 +73,8 @@
         <a:cs typeface="+mn-cs"/>
       </a:defRPr>
     </a:lvl6pPr>
-    <a:lvl7pPr marL="2743200" algn="l" defTabSz="914400" rtl="0" eaLnBrk="1" latinLnBrk="0" hangingPunct="1">
-      <a:defRPr sz="1800" kern="1200">
+    <a:lvl7pPr marL="10523190" algn="l" defTabSz="3507730" rtl="0" eaLnBrk="1" latinLnBrk="0" hangingPunct="1">
+      <a:defRPr sz="6905" kern="1200">
         <a:solidFill>
           <a:schemeClr val="tx1"/>
         </a:solidFill>
@@ -83,8 +83,8 @@
         <a:cs typeface="+mn-cs"/>
       </a:defRPr>
     </a:lvl7pPr>
-    <a:lvl8pPr marL="3200400" algn="l" defTabSz="914400" rtl="0" eaLnBrk="1" latinLnBrk="0" hangingPunct="1">
-      <a:defRPr sz="1800" kern="1200">
+    <a:lvl8pPr marL="12277054" algn="l" defTabSz="3507730" rtl="0" eaLnBrk="1" latinLnBrk="0" hangingPunct="1">
+      <a:defRPr sz="6905" kern="1200">
         <a:solidFill>
           <a:schemeClr val="tx1"/>
         </a:solidFill>
@@ -93,8 +93,8 @@
         <a:cs typeface="+mn-cs"/>
       </a:defRPr>
     </a:lvl8pPr>
-    <a:lvl9pPr marL="3657600" algn="l" defTabSz="914400" rtl="0" eaLnBrk="1" latinLnBrk="0" hangingPunct="1">
-      <a:defRPr sz="1800" kern="1200">
+    <a:lvl9pPr marL="14030919" algn="l" defTabSz="3507730" rtl="0" eaLnBrk="1" latinLnBrk="0" hangingPunct="1">
+      <a:defRPr sz="6905" kern="1200">
         <a:solidFill>
           <a:schemeClr val="tx1"/>
         </a:solidFill>
@@ -104,6 +104,67 @@
       </a:defRPr>
     </a:lvl9pPr>
   </p:defaultTextStyle>
+  <p:extLst>
+    <p:ext uri="{EFAFB233-063F-42B5-8137-9DF3F51BA10A}">
+      <p15:sldGuideLst xmlns:p15="http://schemas.microsoft.com/office/powerpoint/2012/main">
+        <p15:guide id="1" orient="horz" pos="5702" userDrawn="1">
+          <p15:clr>
+            <a:srgbClr val="A4A3A4"/>
+          </p15:clr>
+        </p15:guide>
+        <p15:guide id="2" pos="464" userDrawn="1">
+          <p15:clr>
+            <a:srgbClr val="A4A3A4"/>
+          </p15:clr>
+        </p15:guide>
+        <p15:guide id="3" pos="18607" userDrawn="1">
+          <p15:clr>
+            <a:srgbClr val="A4A3A4"/>
+          </p15:clr>
+        </p15:guide>
+        <p15:guide id="4" orient="horz" pos="26500" userDrawn="1">
+          <p15:clr>
+            <a:srgbClr val="A4A3A4"/>
+          </p15:clr>
+        </p15:guide>
+        <p15:guide id="5" orient="horz" pos="5997" userDrawn="1">
+          <p15:clr>
+            <a:srgbClr val="A4A3A4"/>
+          </p15:clr>
+        </p15:guide>
+        <p15:guide id="6" pos="9377" userDrawn="1">
+          <p15:clr>
+            <a:srgbClr val="A4A3A4"/>
+          </p15:clr>
+        </p15:guide>
+        <p15:guide id="7" pos="9694" userDrawn="1">
+          <p15:clr>
+            <a:srgbClr val="A4A3A4"/>
+          </p15:clr>
+        </p15:guide>
+        <p15:guide id="8" orient="horz" pos="12756" userDrawn="1">
+          <p15:clr>
+            <a:srgbClr val="A4A3A4"/>
+          </p15:clr>
+        </p15:guide>
+        <p15:guide id="9" orient="horz" pos="13051" userDrawn="1">
+          <p15:clr>
+            <a:srgbClr val="A4A3A4"/>
+          </p15:clr>
+        </p15:guide>
+        <p15:guide id="10" orient="horz" pos="20240" userDrawn="1">
+          <p15:clr>
+            <a:srgbClr val="A4A3A4"/>
+          </p15:clr>
+        </p15:guide>
+        <p15:guide id="11" orient="horz" pos="20558" userDrawn="1">
+          <p15:clr>
+            <a:srgbClr val="A4A3A4"/>
+          </p15:clr>
+        </p15:guide>
+      </p15:sldGuideLst>
+    </p:ext>
+  </p:extLst>
 </p:presentation>
 </file>
 
@@ -142,15 +203,15 @@
         </p:nvSpPr>
         <p:spPr>
           <a:xfrm>
-            <a:off x="1524000" y="1122363"/>
-            <a:ext cx="9144000" cy="2387600"/>
+            <a:off x="3784402" y="7005156"/>
+            <a:ext cx="22706410" cy="14902051"/>
           </a:xfrm>
         </p:spPr>
         <p:txBody>
           <a:bodyPr anchor="b"/>
           <a:lstStyle>
             <a:lvl1pPr algn="ctr">
-              <a:defRPr sz="6000"/>
+              <a:defRPr sz="14899"/>
             </a:lvl1pPr>
           </a:lstStyle>
           <a:p>
@@ -180,8 +241,8 @@
         </p:nvSpPr>
         <p:spPr>
           <a:xfrm>
-            <a:off x="1524000" y="3602038"/>
-            <a:ext cx="9144000" cy="1655762"/>
+            <a:off x="3784402" y="22481887"/>
+            <a:ext cx="22706410" cy="10334331"/>
           </a:xfrm>
         </p:spPr>
         <p:txBody>
@@ -189,39 +250,39 @@
           <a:lstStyle>
             <a:lvl1pPr marL="0" indent="0" algn="ctr">
               <a:buNone/>
-              <a:defRPr sz="2400"/>
+              <a:defRPr sz="5960"/>
             </a:lvl1pPr>
-            <a:lvl2pPr marL="457200" indent="0" algn="ctr">
+            <a:lvl2pPr marL="1135319" indent="0" algn="ctr">
               <a:buNone/>
-              <a:defRPr sz="2000"/>
+              <a:defRPr sz="4966"/>
             </a:lvl2pPr>
-            <a:lvl3pPr marL="914400" indent="0" algn="ctr">
+            <a:lvl3pPr marL="2270638" indent="0" algn="ctr">
               <a:buNone/>
-              <a:defRPr sz="1800"/>
+              <a:defRPr sz="4470"/>
             </a:lvl3pPr>
-            <a:lvl4pPr marL="1371600" indent="0" algn="ctr">
+            <a:lvl4pPr marL="3405957" indent="0" algn="ctr">
               <a:buNone/>
-              <a:defRPr sz="1600"/>
+              <a:defRPr sz="3973"/>
             </a:lvl4pPr>
-            <a:lvl5pPr marL="1828800" indent="0" algn="ctr">
+            <a:lvl5pPr marL="4541276" indent="0" algn="ctr">
               <a:buNone/>
-              <a:defRPr sz="1600"/>
+              <a:defRPr sz="3973"/>
             </a:lvl5pPr>
-            <a:lvl6pPr marL="2286000" indent="0" algn="ctr">
+            <a:lvl6pPr marL="5676595" indent="0" algn="ctr">
               <a:buNone/>
-              <a:defRPr sz="1600"/>
+              <a:defRPr sz="3973"/>
             </a:lvl6pPr>
-            <a:lvl7pPr marL="2743200" indent="0" algn="ctr">
+            <a:lvl7pPr marL="6811914" indent="0" algn="ctr">
               <a:buNone/>
-              <a:defRPr sz="1600"/>
+              <a:defRPr sz="3973"/>
             </a:lvl7pPr>
-            <a:lvl8pPr marL="3200400" indent="0" algn="ctr">
+            <a:lvl8pPr marL="7947233" indent="0" algn="ctr">
               <a:buNone/>
-              <a:defRPr sz="1600"/>
+              <a:defRPr sz="3973"/>
             </a:lvl8pPr>
-            <a:lvl9pPr marL="3657600" indent="0" algn="ctr">
+            <a:lvl9pPr marL="9082552" indent="0" algn="ctr">
               <a:buNone/>
-              <a:defRPr sz="1600"/>
+              <a:defRPr sz="3973"/>
             </a:lvl9pPr>
           </a:lstStyle>
           <a:p>
@@ -256,7 +317,7 @@
           <a:p>
             <a:fld id="{DBDFB368-0EBB-468D-A8DC-1B6A849534EE}" type="datetimeFigureOut">
               <a:rPr lang="en-GB" smtClean="0"/>
-              <a:t>03/05/2023</a:t>
+              <a:t>10/05/2023</a:t>
             </a:fld>
             <a:endParaRPr lang="en-GB"/>
           </a:p>
@@ -456,7 +517,7 @@
           <a:p>
             <a:fld id="{DBDFB368-0EBB-468D-A8DC-1B6A849534EE}" type="datetimeFigureOut">
               <a:rPr lang="en-GB" smtClean="0"/>
-              <a:t>03/05/2023</a:t>
+              <a:t>10/05/2023</a:t>
             </a:fld>
             <a:endParaRPr lang="en-GB"/>
           </a:p>
@@ -564,8 +625,8 @@
         </p:nvSpPr>
         <p:spPr>
           <a:xfrm>
-            <a:off x="8724900" y="365125"/>
-            <a:ext cx="2628900" cy="5811838"/>
+            <a:off x="21665699" y="2278904"/>
+            <a:ext cx="6528093" cy="36274211"/>
           </a:xfrm>
         </p:spPr>
         <p:txBody>
@@ -598,8 +659,8 @@
         </p:nvSpPr>
         <p:spPr>
           <a:xfrm>
-            <a:off x="838200" y="365125"/>
-            <a:ext cx="7734300" cy="5811838"/>
+            <a:off x="2081421" y="2278904"/>
+            <a:ext cx="19205838" cy="36274211"/>
           </a:xfrm>
         </p:spPr>
         <p:txBody>
@@ -666,7 +727,7 @@
           <a:p>
             <a:fld id="{DBDFB368-0EBB-468D-A8DC-1B6A849534EE}" type="datetimeFigureOut">
               <a:rPr lang="en-GB" smtClean="0"/>
-              <a:t>03/05/2023</a:t>
+              <a:t>10/05/2023</a:t>
             </a:fld>
             <a:endParaRPr lang="en-GB"/>
           </a:p>
@@ -866,7 +927,7 @@
           <a:p>
             <a:fld id="{DBDFB368-0EBB-468D-A8DC-1B6A849534EE}" type="datetimeFigureOut">
               <a:rPr lang="en-GB" smtClean="0"/>
-              <a:t>03/05/2023</a:t>
+              <a:t>10/05/2023</a:t>
             </a:fld>
             <a:endParaRPr lang="en-GB"/>
           </a:p>
@@ -974,15 +1035,15 @@
         </p:nvSpPr>
         <p:spPr>
           <a:xfrm>
-            <a:off x="831850" y="1709738"/>
-            <a:ext cx="10515600" cy="2852737"/>
+            <a:off x="2065653" y="10671222"/>
+            <a:ext cx="26112371" cy="17805173"/>
           </a:xfrm>
         </p:spPr>
         <p:txBody>
           <a:bodyPr anchor="b"/>
           <a:lstStyle>
             <a:lvl1pPr>
-              <a:defRPr sz="6000"/>
+              <a:defRPr sz="14899"/>
             </a:lvl1pPr>
           </a:lstStyle>
           <a:p>
@@ -1012,8 +1073,8 @@
         </p:nvSpPr>
         <p:spPr>
           <a:xfrm>
-            <a:off x="831850" y="4589463"/>
-            <a:ext cx="10515600" cy="1500187"/>
+            <a:off x="2065653" y="28644839"/>
+            <a:ext cx="26112371" cy="9363320"/>
           </a:xfrm>
         </p:spPr>
         <p:txBody>
@@ -1021,7 +1082,7 @@
           <a:lstStyle>
             <a:lvl1pPr marL="0" indent="0">
               <a:buNone/>
-              <a:defRPr sz="2400">
+              <a:defRPr sz="5960">
                 <a:solidFill>
                   <a:schemeClr val="tx1">
                     <a:tint val="75000"/>
@@ -1029,9 +1090,9 @@
                 </a:solidFill>
               </a:defRPr>
             </a:lvl1pPr>
-            <a:lvl2pPr marL="457200" indent="0">
+            <a:lvl2pPr marL="1135319" indent="0">
               <a:buNone/>
-              <a:defRPr sz="2000">
+              <a:defRPr sz="4966">
                 <a:solidFill>
                   <a:schemeClr val="tx1">
                     <a:tint val="75000"/>
@@ -1039,9 +1100,9 @@
                 </a:solidFill>
               </a:defRPr>
             </a:lvl2pPr>
-            <a:lvl3pPr marL="914400" indent="0">
+            <a:lvl3pPr marL="2270638" indent="0">
               <a:buNone/>
-              <a:defRPr sz="1800">
+              <a:defRPr sz="4470">
                 <a:solidFill>
                   <a:schemeClr val="tx1">
                     <a:tint val="75000"/>
@@ -1049,9 +1110,9 @@
                 </a:solidFill>
               </a:defRPr>
             </a:lvl3pPr>
-            <a:lvl4pPr marL="1371600" indent="0">
+            <a:lvl4pPr marL="3405957" indent="0">
               <a:buNone/>
-              <a:defRPr sz="1600">
+              <a:defRPr sz="3973">
                 <a:solidFill>
                   <a:schemeClr val="tx1">
                     <a:tint val="75000"/>
@@ -1059,9 +1120,9 @@
                 </a:solidFill>
               </a:defRPr>
             </a:lvl4pPr>
-            <a:lvl5pPr marL="1828800" indent="0">
+            <a:lvl5pPr marL="4541276" indent="0">
               <a:buNone/>
-              <a:defRPr sz="1600">
+              <a:defRPr sz="3973">
                 <a:solidFill>
                   <a:schemeClr val="tx1">
                     <a:tint val="75000"/>
@@ -1069,9 +1130,9 @@
                 </a:solidFill>
               </a:defRPr>
             </a:lvl5pPr>
-            <a:lvl6pPr marL="2286000" indent="0">
+            <a:lvl6pPr marL="5676595" indent="0">
               <a:buNone/>
-              <a:defRPr sz="1600">
+              <a:defRPr sz="3973">
                 <a:solidFill>
                   <a:schemeClr val="tx1">
                     <a:tint val="75000"/>
@@ -1079,9 +1140,9 @@
                 </a:solidFill>
               </a:defRPr>
             </a:lvl6pPr>
-            <a:lvl7pPr marL="2743200" indent="0">
+            <a:lvl7pPr marL="6811914" indent="0">
               <a:buNone/>
-              <a:defRPr sz="1600">
+              <a:defRPr sz="3973">
                 <a:solidFill>
                   <a:schemeClr val="tx1">
                     <a:tint val="75000"/>
@@ -1089,9 +1150,9 @@
                 </a:solidFill>
               </a:defRPr>
             </a:lvl7pPr>
-            <a:lvl8pPr marL="3200400" indent="0">
+            <a:lvl8pPr marL="7947233" indent="0">
               <a:buNone/>
-              <a:defRPr sz="1600">
+              <a:defRPr sz="3973">
                 <a:solidFill>
                   <a:schemeClr val="tx1">
                     <a:tint val="75000"/>
@@ -1099,9 +1160,9 @@
                 </a:solidFill>
               </a:defRPr>
             </a:lvl8pPr>
-            <a:lvl9pPr marL="3657600" indent="0">
+            <a:lvl9pPr marL="9082552" indent="0">
               <a:buNone/>
-              <a:defRPr sz="1600">
+              <a:defRPr sz="3973">
                 <a:solidFill>
                   <a:schemeClr val="tx1">
                     <a:tint val="75000"/>
@@ -1142,7 +1203,7 @@
           <a:p>
             <a:fld id="{DBDFB368-0EBB-468D-A8DC-1B6A849534EE}" type="datetimeFigureOut">
               <a:rPr lang="en-GB" smtClean="0"/>
-              <a:t>03/05/2023</a:t>
+              <a:t>10/05/2023</a:t>
             </a:fld>
             <a:endParaRPr lang="en-GB"/>
           </a:p>
@@ -1279,8 +1340,8 @@
         </p:nvSpPr>
         <p:spPr>
           <a:xfrm>
-            <a:off x="838200" y="1825625"/>
-            <a:ext cx="5181600" cy="4351338"/>
+            <a:off x="2081421" y="11394520"/>
+            <a:ext cx="12866966" cy="27158594"/>
           </a:xfrm>
         </p:spPr>
         <p:txBody>
@@ -1342,8 +1403,8 @@
         </p:nvSpPr>
         <p:spPr>
           <a:xfrm>
-            <a:off x="6172200" y="1825625"/>
-            <a:ext cx="5181600" cy="4351338"/>
+            <a:off x="15326826" y="11394520"/>
+            <a:ext cx="12866966" cy="27158594"/>
           </a:xfrm>
         </p:spPr>
         <p:txBody>
@@ -1410,7 +1471,7 @@
           <a:p>
             <a:fld id="{DBDFB368-0EBB-468D-A8DC-1B6A849534EE}" type="datetimeFigureOut">
               <a:rPr lang="en-GB" smtClean="0"/>
-              <a:t>03/05/2023</a:t>
+              <a:t>10/05/2023</a:t>
             </a:fld>
             <a:endParaRPr lang="en-GB"/>
           </a:p>
@@ -1518,8 +1579,8 @@
         </p:nvSpPr>
         <p:spPr>
           <a:xfrm>
-            <a:off x="839788" y="365125"/>
-            <a:ext cx="10515600" cy="1325563"/>
+            <a:off x="2085364" y="2278907"/>
+            <a:ext cx="26112371" cy="8273416"/>
           </a:xfrm>
         </p:spPr>
         <p:txBody>
@@ -1552,8 +1613,8 @@
         </p:nvSpPr>
         <p:spPr>
           <a:xfrm>
-            <a:off x="839788" y="1681163"/>
-            <a:ext cx="5157787" cy="823912"/>
+            <a:off x="2085365" y="10492870"/>
+            <a:ext cx="12807833" cy="5142393"/>
           </a:xfrm>
         </p:spPr>
         <p:txBody>
@@ -1561,39 +1622,39 @@
           <a:lstStyle>
             <a:lvl1pPr marL="0" indent="0">
               <a:buNone/>
-              <a:defRPr sz="2400" b="1"/>
+              <a:defRPr sz="5960" b="1"/>
             </a:lvl1pPr>
-            <a:lvl2pPr marL="457200" indent="0">
+            <a:lvl2pPr marL="1135319" indent="0">
               <a:buNone/>
-              <a:defRPr sz="2000" b="1"/>
+              <a:defRPr sz="4966" b="1"/>
             </a:lvl2pPr>
-            <a:lvl3pPr marL="914400" indent="0">
+            <a:lvl3pPr marL="2270638" indent="0">
               <a:buNone/>
-              <a:defRPr sz="1800" b="1"/>
+              <a:defRPr sz="4470" b="1"/>
             </a:lvl3pPr>
-            <a:lvl4pPr marL="1371600" indent="0">
+            <a:lvl4pPr marL="3405957" indent="0">
               <a:buNone/>
-              <a:defRPr sz="1600" b="1"/>
+              <a:defRPr sz="3973" b="1"/>
             </a:lvl4pPr>
-            <a:lvl5pPr marL="1828800" indent="0">
+            <a:lvl5pPr marL="4541276" indent="0">
               <a:buNone/>
-              <a:defRPr sz="1600" b="1"/>
+              <a:defRPr sz="3973" b="1"/>
             </a:lvl5pPr>
-            <a:lvl6pPr marL="2286000" indent="0">
+            <a:lvl6pPr marL="5676595" indent="0">
               <a:buNone/>
-              <a:defRPr sz="1600" b="1"/>
+              <a:defRPr sz="3973" b="1"/>
             </a:lvl6pPr>
-            <a:lvl7pPr marL="2743200" indent="0">
+            <a:lvl7pPr marL="6811914" indent="0">
               <a:buNone/>
-              <a:defRPr sz="1600" b="1"/>
+              <a:defRPr sz="3973" b="1"/>
             </a:lvl7pPr>
-            <a:lvl8pPr marL="3200400" indent="0">
+            <a:lvl8pPr marL="7947233" indent="0">
               <a:buNone/>
-              <a:defRPr sz="1600" b="1"/>
+              <a:defRPr sz="3973" b="1"/>
             </a:lvl8pPr>
-            <a:lvl9pPr marL="3657600" indent="0">
+            <a:lvl9pPr marL="9082552" indent="0">
               <a:buNone/>
-              <a:defRPr sz="1600" b="1"/>
+              <a:defRPr sz="3973" b="1"/>
             </a:lvl9pPr>
           </a:lstStyle>
           <a:p>
@@ -1623,8 +1684,8 @@
         </p:nvSpPr>
         <p:spPr>
           <a:xfrm>
-            <a:off x="839788" y="2505075"/>
-            <a:ext cx="5157787" cy="3684588"/>
+            <a:off x="2085365" y="15635264"/>
+            <a:ext cx="12807833" cy="22997117"/>
           </a:xfrm>
         </p:spPr>
         <p:txBody>
@@ -1686,8 +1747,8 @@
         </p:nvSpPr>
         <p:spPr>
           <a:xfrm>
-            <a:off x="6172200" y="1681163"/>
-            <a:ext cx="5183188" cy="823912"/>
+            <a:off x="15326827" y="10492870"/>
+            <a:ext cx="12870909" cy="5142393"/>
           </a:xfrm>
         </p:spPr>
         <p:txBody>
@@ -1695,39 +1756,39 @@
           <a:lstStyle>
             <a:lvl1pPr marL="0" indent="0">
               <a:buNone/>
-              <a:defRPr sz="2400" b="1"/>
+              <a:defRPr sz="5960" b="1"/>
             </a:lvl1pPr>
-            <a:lvl2pPr marL="457200" indent="0">
+            <a:lvl2pPr marL="1135319" indent="0">
               <a:buNone/>
-              <a:defRPr sz="2000" b="1"/>
+              <a:defRPr sz="4966" b="1"/>
             </a:lvl2pPr>
-            <a:lvl3pPr marL="914400" indent="0">
+            <a:lvl3pPr marL="2270638" indent="0">
               <a:buNone/>
-              <a:defRPr sz="1800" b="1"/>
+              <a:defRPr sz="4470" b="1"/>
             </a:lvl3pPr>
-            <a:lvl4pPr marL="1371600" indent="0">
+            <a:lvl4pPr marL="3405957" indent="0">
               <a:buNone/>
-              <a:defRPr sz="1600" b="1"/>
+              <a:defRPr sz="3973" b="1"/>
             </a:lvl4pPr>
-            <a:lvl5pPr marL="1828800" indent="0">
+            <a:lvl5pPr marL="4541276" indent="0">
               <a:buNone/>
-              <a:defRPr sz="1600" b="1"/>
+              <a:defRPr sz="3973" b="1"/>
             </a:lvl5pPr>
-            <a:lvl6pPr marL="2286000" indent="0">
+            <a:lvl6pPr marL="5676595" indent="0">
               <a:buNone/>
-              <a:defRPr sz="1600" b="1"/>
+              <a:defRPr sz="3973" b="1"/>
             </a:lvl6pPr>
-            <a:lvl7pPr marL="2743200" indent="0">
+            <a:lvl7pPr marL="6811914" indent="0">
               <a:buNone/>
-              <a:defRPr sz="1600" b="1"/>
+              <a:defRPr sz="3973" b="1"/>
             </a:lvl7pPr>
-            <a:lvl8pPr marL="3200400" indent="0">
+            <a:lvl8pPr marL="7947233" indent="0">
               <a:buNone/>
-              <a:defRPr sz="1600" b="1"/>
+              <a:defRPr sz="3973" b="1"/>
             </a:lvl8pPr>
-            <a:lvl9pPr marL="3657600" indent="0">
+            <a:lvl9pPr marL="9082552" indent="0">
               <a:buNone/>
-              <a:defRPr sz="1600" b="1"/>
+              <a:defRPr sz="3973" b="1"/>
             </a:lvl9pPr>
           </a:lstStyle>
           <a:p>
@@ -1757,8 +1818,8 @@
         </p:nvSpPr>
         <p:spPr>
           <a:xfrm>
-            <a:off x="6172200" y="2505075"/>
-            <a:ext cx="5183188" cy="3684588"/>
+            <a:off x="15326827" y="15635264"/>
+            <a:ext cx="12870909" cy="22997117"/>
           </a:xfrm>
         </p:spPr>
         <p:txBody>
@@ -1825,7 +1886,7 @@
           <a:p>
             <a:fld id="{DBDFB368-0EBB-468D-A8DC-1B6A849534EE}" type="datetimeFigureOut">
               <a:rPr lang="en-GB" smtClean="0"/>
-              <a:t>03/05/2023</a:t>
+              <a:t>10/05/2023</a:t>
             </a:fld>
             <a:endParaRPr lang="en-GB"/>
           </a:p>
@@ -1967,7 +2028,7 @@
           <a:p>
             <a:fld id="{DBDFB368-0EBB-468D-A8DC-1B6A849534EE}" type="datetimeFigureOut">
               <a:rPr lang="en-GB" smtClean="0"/>
-              <a:t>03/05/2023</a:t>
+              <a:t>10/05/2023</a:t>
             </a:fld>
             <a:endParaRPr lang="en-GB"/>
           </a:p>
@@ -2080,7 +2141,7 @@
           <a:p>
             <a:fld id="{DBDFB368-0EBB-468D-A8DC-1B6A849534EE}" type="datetimeFigureOut">
               <a:rPr lang="en-GB" smtClean="0"/>
-              <a:t>03/05/2023</a:t>
+              <a:t>10/05/2023</a:t>
             </a:fld>
             <a:endParaRPr lang="en-GB"/>
           </a:p>
@@ -2188,15 +2249,15 @@
         </p:nvSpPr>
         <p:spPr>
           <a:xfrm>
-            <a:off x="839788" y="457200"/>
-            <a:ext cx="3932237" cy="1600200"/>
+            <a:off x="2085366" y="2853584"/>
+            <a:ext cx="9764543" cy="9987545"/>
           </a:xfrm>
         </p:spPr>
         <p:txBody>
           <a:bodyPr anchor="b"/>
           <a:lstStyle>
             <a:lvl1pPr>
-              <a:defRPr sz="3200"/>
+              <a:defRPr sz="7946"/>
             </a:lvl1pPr>
           </a:lstStyle>
           <a:p>
@@ -2226,39 +2287,39 @@
         </p:nvSpPr>
         <p:spPr>
           <a:xfrm>
-            <a:off x="5183188" y="987425"/>
-            <a:ext cx="6172200" cy="4873625"/>
+            <a:off x="12870909" y="6162952"/>
+            <a:ext cx="15326827" cy="30418415"/>
           </a:xfrm>
         </p:spPr>
         <p:txBody>
           <a:bodyPr/>
           <a:lstStyle>
             <a:lvl1pPr>
-              <a:defRPr sz="3200"/>
+              <a:defRPr sz="7946"/>
             </a:lvl1pPr>
             <a:lvl2pPr>
-              <a:defRPr sz="2800"/>
+              <a:defRPr sz="6953"/>
             </a:lvl2pPr>
             <a:lvl3pPr>
-              <a:defRPr sz="2400"/>
+              <a:defRPr sz="5960"/>
             </a:lvl3pPr>
             <a:lvl4pPr>
-              <a:defRPr sz="2000"/>
+              <a:defRPr sz="4966"/>
             </a:lvl4pPr>
             <a:lvl5pPr>
-              <a:defRPr sz="2000"/>
+              <a:defRPr sz="4966"/>
             </a:lvl5pPr>
             <a:lvl6pPr>
-              <a:defRPr sz="2000"/>
+              <a:defRPr sz="4966"/>
             </a:lvl6pPr>
             <a:lvl7pPr>
-              <a:defRPr sz="2000"/>
+              <a:defRPr sz="4966"/>
             </a:lvl7pPr>
             <a:lvl8pPr>
-              <a:defRPr sz="2000"/>
+              <a:defRPr sz="4966"/>
             </a:lvl8pPr>
             <a:lvl9pPr>
-              <a:defRPr sz="2000"/>
+              <a:defRPr sz="4966"/>
             </a:lvl9pPr>
           </a:lstStyle>
           <a:p>
@@ -2317,8 +2378,8 @@
         </p:nvSpPr>
         <p:spPr>
           <a:xfrm>
-            <a:off x="839788" y="2057400"/>
-            <a:ext cx="3932237" cy="3811588"/>
+            <a:off x="2085366" y="12841129"/>
+            <a:ext cx="9764543" cy="23789780"/>
           </a:xfrm>
         </p:spPr>
         <p:txBody>
@@ -2326,39 +2387,39 @@
           <a:lstStyle>
             <a:lvl1pPr marL="0" indent="0">
               <a:buNone/>
-              <a:defRPr sz="1600"/>
+              <a:defRPr sz="3973"/>
             </a:lvl1pPr>
-            <a:lvl2pPr marL="457200" indent="0">
+            <a:lvl2pPr marL="1135319" indent="0">
               <a:buNone/>
-              <a:defRPr sz="1400"/>
+              <a:defRPr sz="3476"/>
             </a:lvl2pPr>
-            <a:lvl3pPr marL="914400" indent="0">
+            <a:lvl3pPr marL="2270638" indent="0">
               <a:buNone/>
-              <a:defRPr sz="1200"/>
+              <a:defRPr sz="2980"/>
             </a:lvl3pPr>
-            <a:lvl4pPr marL="1371600" indent="0">
+            <a:lvl4pPr marL="3405957" indent="0">
               <a:buNone/>
-              <a:defRPr sz="1000"/>
+              <a:defRPr sz="2483"/>
             </a:lvl4pPr>
-            <a:lvl5pPr marL="1828800" indent="0">
+            <a:lvl5pPr marL="4541276" indent="0">
               <a:buNone/>
-              <a:defRPr sz="1000"/>
+              <a:defRPr sz="2483"/>
             </a:lvl5pPr>
-            <a:lvl6pPr marL="2286000" indent="0">
+            <a:lvl6pPr marL="5676595" indent="0">
               <a:buNone/>
-              <a:defRPr sz="1000"/>
+              <a:defRPr sz="2483"/>
             </a:lvl6pPr>
-            <a:lvl7pPr marL="2743200" indent="0">
+            <a:lvl7pPr marL="6811914" indent="0">
               <a:buNone/>
-              <a:defRPr sz="1000"/>
+              <a:defRPr sz="2483"/>
             </a:lvl7pPr>
-            <a:lvl8pPr marL="3200400" indent="0">
+            <a:lvl8pPr marL="7947233" indent="0">
               <a:buNone/>
-              <a:defRPr sz="1000"/>
+              <a:defRPr sz="2483"/>
             </a:lvl8pPr>
-            <a:lvl9pPr marL="3657600" indent="0">
+            <a:lvl9pPr marL="9082552" indent="0">
               <a:buNone/>
-              <a:defRPr sz="1000"/>
+              <a:defRPr sz="2483"/>
             </a:lvl9pPr>
           </a:lstStyle>
           <a:p>
@@ -2393,7 +2454,7 @@
           <a:p>
             <a:fld id="{DBDFB368-0EBB-468D-A8DC-1B6A849534EE}" type="datetimeFigureOut">
               <a:rPr lang="en-GB" smtClean="0"/>
-              <a:t>03/05/2023</a:t>
+              <a:t>10/05/2023</a:t>
             </a:fld>
             <a:endParaRPr lang="en-GB"/>
           </a:p>
@@ -2501,15 +2562,15 @@
         </p:nvSpPr>
         <p:spPr>
           <a:xfrm>
-            <a:off x="839788" y="457200"/>
-            <a:ext cx="3932237" cy="1600200"/>
+            <a:off x="2085366" y="2853584"/>
+            <a:ext cx="9764543" cy="9987545"/>
           </a:xfrm>
         </p:spPr>
         <p:txBody>
           <a:bodyPr anchor="b"/>
           <a:lstStyle>
             <a:lvl1pPr>
-              <a:defRPr sz="3200"/>
+              <a:defRPr sz="7946"/>
             </a:lvl1pPr>
           </a:lstStyle>
           <a:p>
@@ -2539,8 +2600,8 @@
         </p:nvSpPr>
         <p:spPr>
           <a:xfrm>
-            <a:off x="5183188" y="987425"/>
-            <a:ext cx="6172200" cy="4873625"/>
+            <a:off x="12870909" y="6162952"/>
+            <a:ext cx="15326827" cy="30418415"/>
           </a:xfrm>
         </p:spPr>
         <p:txBody>
@@ -2548,39 +2609,39 @@
           <a:lstStyle>
             <a:lvl1pPr marL="0" indent="0">
               <a:buNone/>
-              <a:defRPr sz="3200"/>
+              <a:defRPr sz="7946"/>
             </a:lvl1pPr>
-            <a:lvl2pPr marL="457200" indent="0">
+            <a:lvl2pPr marL="1135319" indent="0">
               <a:buNone/>
-              <a:defRPr sz="2800"/>
+              <a:defRPr sz="6953"/>
             </a:lvl2pPr>
-            <a:lvl3pPr marL="914400" indent="0">
+            <a:lvl3pPr marL="2270638" indent="0">
               <a:buNone/>
-              <a:defRPr sz="2400"/>
+              <a:defRPr sz="5960"/>
             </a:lvl3pPr>
-            <a:lvl4pPr marL="1371600" indent="0">
+            <a:lvl4pPr marL="3405957" indent="0">
               <a:buNone/>
-              <a:defRPr sz="2000"/>
+              <a:defRPr sz="4966"/>
             </a:lvl4pPr>
-            <a:lvl5pPr marL="1828800" indent="0">
+            <a:lvl5pPr marL="4541276" indent="0">
               <a:buNone/>
-              <a:defRPr sz="2000"/>
+              <a:defRPr sz="4966"/>
             </a:lvl5pPr>
-            <a:lvl6pPr marL="2286000" indent="0">
+            <a:lvl6pPr marL="5676595" indent="0">
               <a:buNone/>
-              <a:defRPr sz="2000"/>
+              <a:defRPr sz="4966"/>
             </a:lvl6pPr>
-            <a:lvl7pPr marL="2743200" indent="0">
+            <a:lvl7pPr marL="6811914" indent="0">
               <a:buNone/>
-              <a:defRPr sz="2000"/>
+              <a:defRPr sz="4966"/>
             </a:lvl7pPr>
-            <a:lvl8pPr marL="3200400" indent="0">
+            <a:lvl8pPr marL="7947233" indent="0">
               <a:buNone/>
-              <a:defRPr sz="2000"/>
+              <a:defRPr sz="4966"/>
             </a:lvl8pPr>
-            <a:lvl9pPr marL="3657600" indent="0">
+            <a:lvl9pPr marL="9082552" indent="0">
               <a:buNone/>
-              <a:defRPr sz="2000"/>
+              <a:defRPr sz="4966"/>
             </a:lvl9pPr>
           </a:lstStyle>
           <a:p>
@@ -2606,8 +2667,8 @@
         </p:nvSpPr>
         <p:spPr>
           <a:xfrm>
-            <a:off x="839788" y="2057400"/>
-            <a:ext cx="3932237" cy="3811588"/>
+            <a:off x="2085366" y="12841129"/>
+            <a:ext cx="9764543" cy="23789780"/>
           </a:xfrm>
         </p:spPr>
         <p:txBody>
@@ -2615,39 +2676,39 @@
           <a:lstStyle>
             <a:lvl1pPr marL="0" indent="0">
               <a:buNone/>
-              <a:defRPr sz="1600"/>
+              <a:defRPr sz="3973"/>
             </a:lvl1pPr>
-            <a:lvl2pPr marL="457200" indent="0">
+            <a:lvl2pPr marL="1135319" indent="0">
               <a:buNone/>
-              <a:defRPr sz="1400"/>
+              <a:defRPr sz="3476"/>
             </a:lvl2pPr>
-            <a:lvl3pPr marL="914400" indent="0">
+            <a:lvl3pPr marL="2270638" indent="0">
               <a:buNone/>
-              <a:defRPr sz="1200"/>
+              <a:defRPr sz="2980"/>
             </a:lvl3pPr>
-            <a:lvl4pPr marL="1371600" indent="0">
+            <a:lvl4pPr marL="3405957" indent="0">
               <a:buNone/>
-              <a:defRPr sz="1000"/>
+              <a:defRPr sz="2483"/>
             </a:lvl4pPr>
-            <a:lvl5pPr marL="1828800" indent="0">
+            <a:lvl5pPr marL="4541276" indent="0">
               <a:buNone/>
-              <a:defRPr sz="1000"/>
+              <a:defRPr sz="2483"/>
             </a:lvl5pPr>
-            <a:lvl6pPr marL="2286000" indent="0">
+            <a:lvl6pPr marL="5676595" indent="0">
               <a:buNone/>
-              <a:defRPr sz="1000"/>
+              <a:defRPr sz="2483"/>
             </a:lvl6pPr>
-            <a:lvl7pPr marL="2743200" indent="0">
+            <a:lvl7pPr marL="6811914" indent="0">
               <a:buNone/>
-              <a:defRPr sz="1000"/>
+              <a:defRPr sz="2483"/>
             </a:lvl7pPr>
-            <a:lvl8pPr marL="3200400" indent="0">
+            <a:lvl8pPr marL="7947233" indent="0">
               <a:buNone/>
-              <a:defRPr sz="1000"/>
+              <a:defRPr sz="2483"/>
             </a:lvl8pPr>
-            <a:lvl9pPr marL="3657600" indent="0">
+            <a:lvl9pPr marL="9082552" indent="0">
               <a:buNone/>
-              <a:defRPr sz="1000"/>
+              <a:defRPr sz="2483"/>
             </a:lvl9pPr>
           </a:lstStyle>
           <a:p>
@@ -2682,7 +2743,7 @@
           <a:p>
             <a:fld id="{DBDFB368-0EBB-468D-A8DC-1B6A849534EE}" type="datetimeFigureOut">
               <a:rPr lang="en-GB" smtClean="0"/>
-              <a:t>03/05/2023</a:t>
+              <a:t>10/05/2023</a:t>
             </a:fld>
             <a:endParaRPr lang="en-GB"/>
           </a:p>
@@ -2795,8 +2856,8 @@
         </p:nvSpPr>
         <p:spPr>
           <a:xfrm>
-            <a:off x="838200" y="365125"/>
-            <a:ext cx="10515600" cy="1325563"/>
+            <a:off x="2081421" y="2278907"/>
+            <a:ext cx="26112371" cy="8273416"/>
           </a:xfrm>
           <a:prstGeom prst="rect">
             <a:avLst/>
@@ -2834,8 +2895,8 @@
         </p:nvSpPr>
         <p:spPr>
           <a:xfrm>
-            <a:off x="838200" y="1825625"/>
-            <a:ext cx="10515600" cy="4351338"/>
+            <a:off x="2081421" y="11394520"/>
+            <a:ext cx="26112371" cy="27158594"/>
           </a:xfrm>
           <a:prstGeom prst="rect">
             <a:avLst/>
@@ -2902,8 +2963,8 @@
         </p:nvSpPr>
         <p:spPr>
           <a:xfrm>
-            <a:off x="838200" y="6356350"/>
-            <a:ext cx="2743200" cy="365125"/>
+            <a:off x="2081421" y="39672750"/>
+            <a:ext cx="6811923" cy="2278904"/>
           </a:xfrm>
           <a:prstGeom prst="rect">
             <a:avLst/>
@@ -2913,7 +2974,7 @@
           <a:bodyPr vert="horz" lIns="91440" tIns="45720" rIns="91440" bIns="45720" rtlCol="0" anchor="ctr"/>
           <a:lstStyle>
             <a:lvl1pPr algn="l">
-              <a:defRPr sz="1200">
+              <a:defRPr sz="2980">
                 <a:solidFill>
                   <a:schemeClr val="tx1">
                     <a:tint val="75000"/>
@@ -2925,7 +2986,7 @@
           <a:p>
             <a:fld id="{DBDFB368-0EBB-468D-A8DC-1B6A849534EE}" type="datetimeFigureOut">
               <a:rPr lang="en-GB" smtClean="0"/>
-              <a:t>03/05/2023</a:t>
+              <a:t>10/05/2023</a:t>
             </a:fld>
             <a:endParaRPr lang="en-GB"/>
           </a:p>
@@ -2949,8 +3010,8 @@
         </p:nvSpPr>
         <p:spPr>
           <a:xfrm>
-            <a:off x="4038600" y="6356350"/>
-            <a:ext cx="4114800" cy="365125"/>
+            <a:off x="10028665" y="39672750"/>
+            <a:ext cx="10217884" cy="2278904"/>
           </a:xfrm>
           <a:prstGeom prst="rect">
             <a:avLst/>
@@ -2960,7 +3021,7 @@
           <a:bodyPr vert="horz" lIns="91440" tIns="45720" rIns="91440" bIns="45720" rtlCol="0" anchor="ctr"/>
           <a:lstStyle>
             <a:lvl1pPr algn="ctr">
-              <a:defRPr sz="1200">
+              <a:defRPr sz="2980">
                 <a:solidFill>
                   <a:schemeClr val="tx1">
                     <a:tint val="75000"/>
@@ -2992,8 +3053,8 @@
         </p:nvSpPr>
         <p:spPr>
           <a:xfrm>
-            <a:off x="8610600" y="6356350"/>
-            <a:ext cx="2743200" cy="365125"/>
+            <a:off x="21381869" y="39672750"/>
+            <a:ext cx="6811923" cy="2278904"/>
           </a:xfrm>
           <a:prstGeom prst="rect">
             <a:avLst/>
@@ -3003,7 +3064,7 @@
           <a:bodyPr vert="horz" lIns="91440" tIns="45720" rIns="91440" bIns="45720" rtlCol="0" anchor="ctr"/>
           <a:lstStyle>
             <a:lvl1pPr algn="r">
-              <a:defRPr sz="1200">
+              <a:defRPr sz="2980">
                 <a:solidFill>
                   <a:schemeClr val="tx1">
                     <a:tint val="75000"/>
@@ -3044,7 +3105,7 @@
   </p:sldLayoutIdLst>
   <p:txStyles>
     <p:titleStyle>
-      <a:lvl1pPr algn="l" defTabSz="914400" rtl="0" eaLnBrk="1" latinLnBrk="0" hangingPunct="1">
+      <a:lvl1pPr algn="l" defTabSz="2270638" rtl="0" eaLnBrk="1" latinLnBrk="0" hangingPunct="1">
         <a:lnSpc>
           <a:spcPct val="90000"/>
         </a:lnSpc>
@@ -3052,7 +3113,7 @@
           <a:spcPct val="0"/>
         </a:spcBef>
         <a:buNone/>
-        <a:defRPr sz="4400" kern="1200">
+        <a:defRPr sz="10926" kern="1200">
           <a:solidFill>
             <a:schemeClr val="tx1"/>
           </a:solidFill>
@@ -3063,16 +3124,16 @@
       </a:lvl1pPr>
     </p:titleStyle>
     <p:bodyStyle>
-      <a:lvl1pPr marL="228600" indent="-228600" algn="l" defTabSz="914400" rtl="0" eaLnBrk="1" latinLnBrk="0" hangingPunct="1">
+      <a:lvl1pPr marL="567660" indent="-567660" algn="l" defTabSz="2270638" rtl="0" eaLnBrk="1" latinLnBrk="0" hangingPunct="1">
         <a:lnSpc>
           <a:spcPct val="90000"/>
         </a:lnSpc>
         <a:spcBef>
-          <a:spcPts val="1000"/>
+          <a:spcPts val="2483"/>
         </a:spcBef>
         <a:buFont typeface="Arial" panose="020B0604020202020204" pitchFamily="34" charset="0"/>
         <a:buChar char="•"/>
-        <a:defRPr sz="2800" kern="1200">
+        <a:defRPr sz="6953" kern="1200">
           <a:solidFill>
             <a:schemeClr val="tx1"/>
           </a:solidFill>
@@ -3081,16 +3142,16 @@
           <a:cs typeface="+mn-cs"/>
         </a:defRPr>
       </a:lvl1pPr>
-      <a:lvl2pPr marL="685800" indent="-228600" algn="l" defTabSz="914400" rtl="0" eaLnBrk="1" latinLnBrk="0" hangingPunct="1">
+      <a:lvl2pPr marL="1702979" indent="-567660" algn="l" defTabSz="2270638" rtl="0" eaLnBrk="1" latinLnBrk="0" hangingPunct="1">
         <a:lnSpc>
           <a:spcPct val="90000"/>
         </a:lnSpc>
         <a:spcBef>
-          <a:spcPts val="500"/>
+          <a:spcPts val="1242"/>
         </a:spcBef>
         <a:buFont typeface="Arial" panose="020B0604020202020204" pitchFamily="34" charset="0"/>
         <a:buChar char="•"/>
-        <a:defRPr sz="2400" kern="1200">
+        <a:defRPr sz="5960" kern="1200">
           <a:solidFill>
             <a:schemeClr val="tx1"/>
           </a:solidFill>
@@ -3099,16 +3160,16 @@
           <a:cs typeface="+mn-cs"/>
         </a:defRPr>
       </a:lvl2pPr>
-      <a:lvl3pPr marL="1143000" indent="-228600" algn="l" defTabSz="914400" rtl="0" eaLnBrk="1" latinLnBrk="0" hangingPunct="1">
+      <a:lvl3pPr marL="2838298" indent="-567660" algn="l" defTabSz="2270638" rtl="0" eaLnBrk="1" latinLnBrk="0" hangingPunct="1">
         <a:lnSpc>
           <a:spcPct val="90000"/>
         </a:lnSpc>
         <a:spcBef>
-          <a:spcPts val="500"/>
+          <a:spcPts val="1242"/>
         </a:spcBef>
         <a:buFont typeface="Arial" panose="020B0604020202020204" pitchFamily="34" charset="0"/>
         <a:buChar char="•"/>
-        <a:defRPr sz="2000" kern="1200">
+        <a:defRPr sz="4966" kern="1200">
           <a:solidFill>
             <a:schemeClr val="tx1"/>
           </a:solidFill>
@@ -3117,16 +3178,16 @@
           <a:cs typeface="+mn-cs"/>
         </a:defRPr>
       </a:lvl3pPr>
-      <a:lvl4pPr marL="1600200" indent="-228600" algn="l" defTabSz="914400" rtl="0" eaLnBrk="1" latinLnBrk="0" hangingPunct="1">
+      <a:lvl4pPr marL="3973617" indent="-567660" algn="l" defTabSz="2270638" rtl="0" eaLnBrk="1" latinLnBrk="0" hangingPunct="1">
         <a:lnSpc>
           <a:spcPct val="90000"/>
         </a:lnSpc>
         <a:spcBef>
-          <a:spcPts val="500"/>
+          <a:spcPts val="1242"/>
         </a:spcBef>
         <a:buFont typeface="Arial" panose="020B0604020202020204" pitchFamily="34" charset="0"/>
         <a:buChar char="•"/>
-        <a:defRPr sz="1800" kern="1200">
+        <a:defRPr sz="4470" kern="1200">
           <a:solidFill>
             <a:schemeClr val="tx1"/>
           </a:solidFill>
@@ -3135,16 +3196,16 @@
           <a:cs typeface="+mn-cs"/>
         </a:defRPr>
       </a:lvl4pPr>
-      <a:lvl5pPr marL="2057400" indent="-228600" algn="l" defTabSz="914400" rtl="0" eaLnBrk="1" latinLnBrk="0" hangingPunct="1">
+      <a:lvl5pPr marL="5108936" indent="-567660" algn="l" defTabSz="2270638" rtl="0" eaLnBrk="1" latinLnBrk="0" hangingPunct="1">
         <a:lnSpc>
           <a:spcPct val="90000"/>
         </a:lnSpc>
         <a:spcBef>
-          <a:spcPts val="500"/>
+          <a:spcPts val="1242"/>
         </a:spcBef>
         <a:buFont typeface="Arial" panose="020B0604020202020204" pitchFamily="34" charset="0"/>
         <a:buChar char="•"/>
-        <a:defRPr sz="1800" kern="1200">
+        <a:defRPr sz="4470" kern="1200">
           <a:solidFill>
             <a:schemeClr val="tx1"/>
           </a:solidFill>
@@ -3153,16 +3214,16 @@
           <a:cs typeface="+mn-cs"/>
         </a:defRPr>
       </a:lvl5pPr>
-      <a:lvl6pPr marL="2514600" indent="-228600" algn="l" defTabSz="914400" rtl="0" eaLnBrk="1" latinLnBrk="0" hangingPunct="1">
+      <a:lvl6pPr marL="6244255" indent="-567660" algn="l" defTabSz="2270638" rtl="0" eaLnBrk="1" latinLnBrk="0" hangingPunct="1">
         <a:lnSpc>
           <a:spcPct val="90000"/>
         </a:lnSpc>
         <a:spcBef>
-          <a:spcPts val="500"/>
+          <a:spcPts val="1242"/>
         </a:spcBef>
         <a:buFont typeface="Arial" panose="020B0604020202020204" pitchFamily="34" charset="0"/>
         <a:buChar char="•"/>
-        <a:defRPr sz="1800" kern="1200">
+        <a:defRPr sz="4470" kern="1200">
           <a:solidFill>
             <a:schemeClr val="tx1"/>
           </a:solidFill>
@@ -3171,16 +3232,16 @@
           <a:cs typeface="+mn-cs"/>
         </a:defRPr>
       </a:lvl6pPr>
-      <a:lvl7pPr marL="2971800" indent="-228600" algn="l" defTabSz="914400" rtl="0" eaLnBrk="1" latinLnBrk="0" hangingPunct="1">
+      <a:lvl7pPr marL="7379574" indent="-567660" algn="l" defTabSz="2270638" rtl="0" eaLnBrk="1" latinLnBrk="0" hangingPunct="1">
         <a:lnSpc>
           <a:spcPct val="90000"/>
         </a:lnSpc>
         <a:spcBef>
-          <a:spcPts val="500"/>
+          <a:spcPts val="1242"/>
         </a:spcBef>
         <a:buFont typeface="Arial" panose="020B0604020202020204" pitchFamily="34" charset="0"/>
         <a:buChar char="•"/>
-        <a:defRPr sz="1800" kern="1200">
+        <a:defRPr sz="4470" kern="1200">
           <a:solidFill>
             <a:schemeClr val="tx1"/>
           </a:solidFill>
@@ -3189,16 +3250,16 @@
           <a:cs typeface="+mn-cs"/>
         </a:defRPr>
       </a:lvl7pPr>
-      <a:lvl8pPr marL="3429000" indent="-228600" algn="l" defTabSz="914400" rtl="0" eaLnBrk="1" latinLnBrk="0" hangingPunct="1">
+      <a:lvl8pPr marL="8514893" indent="-567660" algn="l" defTabSz="2270638" rtl="0" eaLnBrk="1" latinLnBrk="0" hangingPunct="1">
         <a:lnSpc>
           <a:spcPct val="90000"/>
         </a:lnSpc>
         <a:spcBef>
-          <a:spcPts val="500"/>
+          <a:spcPts val="1242"/>
         </a:spcBef>
         <a:buFont typeface="Arial" panose="020B0604020202020204" pitchFamily="34" charset="0"/>
         <a:buChar char="•"/>
-        <a:defRPr sz="1800" kern="1200">
+        <a:defRPr sz="4470" kern="1200">
           <a:solidFill>
             <a:schemeClr val="tx1"/>
           </a:solidFill>
@@ -3207,16 +3268,16 @@
           <a:cs typeface="+mn-cs"/>
         </a:defRPr>
       </a:lvl8pPr>
-      <a:lvl9pPr marL="3886200" indent="-228600" algn="l" defTabSz="914400" rtl="0" eaLnBrk="1" latinLnBrk="0" hangingPunct="1">
+      <a:lvl9pPr marL="9650212" indent="-567660" algn="l" defTabSz="2270638" rtl="0" eaLnBrk="1" latinLnBrk="0" hangingPunct="1">
         <a:lnSpc>
           <a:spcPct val="90000"/>
         </a:lnSpc>
         <a:spcBef>
-          <a:spcPts val="500"/>
+          <a:spcPts val="1242"/>
         </a:spcBef>
         <a:buFont typeface="Arial" panose="020B0604020202020204" pitchFamily="34" charset="0"/>
         <a:buChar char="•"/>
-        <a:defRPr sz="1800" kern="1200">
+        <a:defRPr sz="4470" kern="1200">
           <a:solidFill>
             <a:schemeClr val="tx1"/>
           </a:solidFill>
@@ -3230,8 +3291,8 @@
       <a:defPPr>
         <a:defRPr lang="en-US"/>
       </a:defPPr>
-      <a:lvl1pPr marL="0" algn="l" defTabSz="914400" rtl="0" eaLnBrk="1" latinLnBrk="0" hangingPunct="1">
-        <a:defRPr sz="1800" kern="1200">
+      <a:lvl1pPr marL="0" algn="l" defTabSz="2270638" rtl="0" eaLnBrk="1" latinLnBrk="0" hangingPunct="1">
+        <a:defRPr sz="4470" kern="1200">
           <a:solidFill>
             <a:schemeClr val="tx1"/>
           </a:solidFill>
@@ -3240,8 +3301,8 @@
           <a:cs typeface="+mn-cs"/>
         </a:defRPr>
       </a:lvl1pPr>
-      <a:lvl2pPr marL="457200" algn="l" defTabSz="914400" rtl="0" eaLnBrk="1" latinLnBrk="0" hangingPunct="1">
-        <a:defRPr sz="1800" kern="1200">
+      <a:lvl2pPr marL="1135319" algn="l" defTabSz="2270638" rtl="0" eaLnBrk="1" latinLnBrk="0" hangingPunct="1">
+        <a:defRPr sz="4470" kern="1200">
           <a:solidFill>
             <a:schemeClr val="tx1"/>
           </a:solidFill>
@@ -3250,8 +3311,8 @@
           <a:cs typeface="+mn-cs"/>
         </a:defRPr>
       </a:lvl2pPr>
-      <a:lvl3pPr marL="914400" algn="l" defTabSz="914400" rtl="0" eaLnBrk="1" latinLnBrk="0" hangingPunct="1">
-        <a:defRPr sz="1800" kern="1200">
+      <a:lvl3pPr marL="2270638" algn="l" defTabSz="2270638" rtl="0" eaLnBrk="1" latinLnBrk="0" hangingPunct="1">
+        <a:defRPr sz="4470" kern="1200">
           <a:solidFill>
             <a:schemeClr val="tx1"/>
           </a:solidFill>
@@ -3260,8 +3321,8 @@
           <a:cs typeface="+mn-cs"/>
         </a:defRPr>
       </a:lvl3pPr>
-      <a:lvl4pPr marL="1371600" algn="l" defTabSz="914400" rtl="0" eaLnBrk="1" latinLnBrk="0" hangingPunct="1">
-        <a:defRPr sz="1800" kern="1200">
+      <a:lvl4pPr marL="3405957" algn="l" defTabSz="2270638" rtl="0" eaLnBrk="1" latinLnBrk="0" hangingPunct="1">
+        <a:defRPr sz="4470" kern="1200">
           <a:solidFill>
             <a:schemeClr val="tx1"/>
           </a:solidFill>
@@ -3270,8 +3331,8 @@
           <a:cs typeface="+mn-cs"/>
         </a:defRPr>
       </a:lvl4pPr>
-      <a:lvl5pPr marL="1828800" algn="l" defTabSz="914400" rtl="0" eaLnBrk="1" latinLnBrk="0" hangingPunct="1">
-        <a:defRPr sz="1800" kern="1200">
+      <a:lvl5pPr marL="4541276" algn="l" defTabSz="2270638" rtl="0" eaLnBrk="1" latinLnBrk="0" hangingPunct="1">
+        <a:defRPr sz="4470" kern="1200">
           <a:solidFill>
             <a:schemeClr val="tx1"/>
           </a:solidFill>
@@ -3280,8 +3341,8 @@
           <a:cs typeface="+mn-cs"/>
         </a:defRPr>
       </a:lvl5pPr>
-      <a:lvl6pPr marL="2286000" algn="l" defTabSz="914400" rtl="0" eaLnBrk="1" latinLnBrk="0" hangingPunct="1">
-        <a:defRPr sz="1800" kern="1200">
+      <a:lvl6pPr marL="5676595" algn="l" defTabSz="2270638" rtl="0" eaLnBrk="1" latinLnBrk="0" hangingPunct="1">
+        <a:defRPr sz="4470" kern="1200">
           <a:solidFill>
             <a:schemeClr val="tx1"/>
           </a:solidFill>
@@ -3290,8 +3351,8 @@
           <a:cs typeface="+mn-cs"/>
         </a:defRPr>
       </a:lvl6pPr>
-      <a:lvl7pPr marL="2743200" algn="l" defTabSz="914400" rtl="0" eaLnBrk="1" latinLnBrk="0" hangingPunct="1">
-        <a:defRPr sz="1800" kern="1200">
+      <a:lvl7pPr marL="6811914" algn="l" defTabSz="2270638" rtl="0" eaLnBrk="1" latinLnBrk="0" hangingPunct="1">
+        <a:defRPr sz="4470" kern="1200">
           <a:solidFill>
             <a:schemeClr val="tx1"/>
           </a:solidFill>
@@ -3300,8 +3361,8 @@
           <a:cs typeface="+mn-cs"/>
         </a:defRPr>
       </a:lvl7pPr>
-      <a:lvl8pPr marL="3200400" algn="l" defTabSz="914400" rtl="0" eaLnBrk="1" latinLnBrk="0" hangingPunct="1">
-        <a:defRPr sz="1800" kern="1200">
+      <a:lvl8pPr marL="7947233" algn="l" defTabSz="2270638" rtl="0" eaLnBrk="1" latinLnBrk="0" hangingPunct="1">
+        <a:defRPr sz="4470" kern="1200">
           <a:solidFill>
             <a:schemeClr val="tx1"/>
           </a:solidFill>
@@ -3310,8 +3371,8 @@
           <a:cs typeface="+mn-cs"/>
         </a:defRPr>
       </a:lvl8pPr>
-      <a:lvl9pPr marL="3657600" algn="l" defTabSz="914400" rtl="0" eaLnBrk="1" latinLnBrk="0" hangingPunct="1">
-        <a:defRPr sz="1800" kern="1200">
+      <a:lvl9pPr marL="9082552" algn="l" defTabSz="2270638" rtl="0" eaLnBrk="1" latinLnBrk="0" hangingPunct="1">
+        <a:defRPr sz="4470" kern="1200">
           <a:solidFill>
             <a:schemeClr val="tx1"/>
           </a:solidFill>
@@ -3344,55 +3405,3505 @@
       </p:grpSpPr>
       <p:sp>
         <p:nvSpPr>
-          <p:cNvPr id="2" name="Cím 1">
+          <p:cNvPr id="19" name="Téglalap 18"/>
+          <p:cNvSpPr/>
+          <p:nvPr/>
+        </p:nvSpPr>
+        <p:spPr>
+          <a:xfrm>
+            <a:off x="736600" y="734672"/>
+            <a:ext cx="28802010" cy="41334078"/>
+          </a:xfrm>
+          <a:prstGeom prst="rect">
+            <a:avLst/>
+          </a:prstGeom>
+          <a:solidFill>
+            <a:srgbClr val="D9D1CE"/>
+          </a:solidFill>
+          <a:ln>
+            <a:noFill/>
+          </a:ln>
+        </p:spPr>
+        <p:style>
+          <a:lnRef idx="2">
+            <a:schemeClr val="accent1">
+              <a:shade val="50000"/>
+            </a:schemeClr>
+          </a:lnRef>
+          <a:fillRef idx="1">
+            <a:schemeClr val="accent1"/>
+          </a:fillRef>
+          <a:effectRef idx="0">
+            <a:schemeClr val="accent1"/>
+          </a:effectRef>
+          <a:fontRef idx="minor">
+            <a:schemeClr val="lt1"/>
+          </a:fontRef>
+        </p:style>
+        <p:txBody>
+          <a:bodyPr rtlCol="0" anchor="ctr"/>
+          <a:lstStyle/>
+          <a:p>
+            <a:pPr algn="ctr"/>
+            <a:endParaRPr lang="hu-HU"/>
+          </a:p>
+        </p:txBody>
+      </p:sp>
+      <p:sp>
+        <p:nvSpPr>
+          <p:cNvPr id="35" name="Téglalap 34"/>
+          <p:cNvSpPr/>
+          <p:nvPr/>
+        </p:nvSpPr>
+        <p:spPr>
+          <a:xfrm>
+            <a:off x="1323068" y="1266471"/>
+            <a:ext cx="27545845" cy="7716680"/>
+          </a:xfrm>
+          <a:prstGeom prst="rect">
+            <a:avLst/>
+          </a:prstGeom>
+          <a:solidFill>
+            <a:srgbClr val="FFFFFF"/>
+          </a:solidFill>
+          <a:ln>
+            <a:noFill/>
+          </a:ln>
+        </p:spPr>
+        <p:style>
+          <a:lnRef idx="2">
+            <a:schemeClr val="accent1">
+              <a:shade val="50000"/>
+            </a:schemeClr>
+          </a:lnRef>
+          <a:fillRef idx="1">
+            <a:schemeClr val="accent1"/>
+          </a:fillRef>
+          <a:effectRef idx="0">
+            <a:schemeClr val="accent1"/>
+          </a:effectRef>
+          <a:fontRef idx="minor">
+            <a:schemeClr val="lt1"/>
+          </a:fontRef>
+        </p:style>
+        <p:txBody>
+          <a:bodyPr rtlCol="0" anchor="ctr"/>
+          <a:lstStyle/>
+          <a:p>
+            <a:pPr algn="ctr"/>
+            <a:endParaRPr lang="hu-HU"/>
+          </a:p>
+        </p:txBody>
+      </p:sp>
+      <p:sp>
+        <p:nvSpPr>
+          <p:cNvPr id="2" name="Téglalap 1"/>
+          <p:cNvSpPr/>
+          <p:nvPr/>
+        </p:nvSpPr>
+        <p:spPr>
+          <a:xfrm>
+            <a:off x="1371600" y="9546093"/>
+            <a:ext cx="13514388" cy="10704057"/>
+          </a:xfrm>
+          <a:prstGeom prst="rect">
+            <a:avLst/>
+          </a:prstGeom>
+          <a:solidFill>
+            <a:srgbClr val="FFFFFF"/>
+          </a:solidFill>
+          <a:ln>
+            <a:noFill/>
+          </a:ln>
+        </p:spPr>
+        <p:style>
+          <a:lnRef idx="2">
+            <a:schemeClr val="accent1">
+              <a:shade val="50000"/>
+            </a:schemeClr>
+          </a:lnRef>
+          <a:fillRef idx="1">
+            <a:schemeClr val="accent1"/>
+          </a:fillRef>
+          <a:effectRef idx="0">
+            <a:schemeClr val="accent1"/>
+          </a:effectRef>
+          <a:fontRef idx="minor">
+            <a:schemeClr val="lt1"/>
+          </a:fontRef>
+        </p:style>
+        <p:txBody>
+          <a:bodyPr rtlCol="0" anchor="ctr"/>
+          <a:lstStyle/>
+          <a:p>
+            <a:pPr algn="ctr"/>
+            <a:endParaRPr lang="hu-HU"/>
+          </a:p>
+        </p:txBody>
+      </p:sp>
+      <p:sp>
+        <p:nvSpPr>
+          <p:cNvPr id="4" name="Téglalap 3"/>
+          <p:cNvSpPr/>
+          <p:nvPr/>
+        </p:nvSpPr>
+        <p:spPr>
+          <a:xfrm>
+            <a:off x="15389225" y="9546093"/>
+            <a:ext cx="13479689" cy="22584907"/>
+          </a:xfrm>
+          <a:prstGeom prst="rect">
+            <a:avLst/>
+          </a:prstGeom>
+          <a:solidFill>
+            <a:srgbClr val="FFFFFF"/>
+          </a:solidFill>
+          <a:ln>
+            <a:noFill/>
+          </a:ln>
+        </p:spPr>
+        <p:style>
+          <a:lnRef idx="2">
+            <a:schemeClr val="accent1">
+              <a:shade val="50000"/>
+            </a:schemeClr>
+          </a:lnRef>
+          <a:fillRef idx="1">
+            <a:schemeClr val="accent1"/>
+          </a:fillRef>
+          <a:effectRef idx="0">
+            <a:schemeClr val="accent1"/>
+          </a:effectRef>
+          <a:fontRef idx="minor">
+            <a:schemeClr val="lt1"/>
+          </a:fontRef>
+        </p:style>
+        <p:txBody>
+          <a:bodyPr rtlCol="0" anchor="ctr"/>
+          <a:lstStyle/>
+          <a:p>
+            <a:pPr algn="ctr"/>
+            <a:endParaRPr lang="hu-HU"/>
+          </a:p>
+        </p:txBody>
+      </p:sp>
+      <p:sp>
+        <p:nvSpPr>
+          <p:cNvPr id="6" name="Téglalap 5"/>
+          <p:cNvSpPr/>
+          <p:nvPr/>
+        </p:nvSpPr>
+        <p:spPr>
+          <a:xfrm>
+            <a:off x="1371600" y="20718463"/>
+            <a:ext cx="13514388" cy="20592311"/>
+          </a:xfrm>
+          <a:prstGeom prst="rect">
+            <a:avLst/>
+          </a:prstGeom>
+          <a:solidFill>
+            <a:srgbClr val="FFFFFF"/>
+          </a:solidFill>
+          <a:ln>
+            <a:noFill/>
+          </a:ln>
+        </p:spPr>
+        <p:style>
+          <a:lnRef idx="2">
+            <a:schemeClr val="accent1">
+              <a:shade val="50000"/>
+            </a:schemeClr>
+          </a:lnRef>
+          <a:fillRef idx="1">
+            <a:schemeClr val="accent1"/>
+          </a:fillRef>
+          <a:effectRef idx="0">
+            <a:schemeClr val="accent1"/>
+          </a:effectRef>
+          <a:fontRef idx="minor">
+            <a:schemeClr val="lt1"/>
+          </a:fontRef>
+        </p:style>
+        <p:txBody>
+          <a:bodyPr rtlCol="0" anchor="ctr"/>
+          <a:lstStyle/>
+          <a:p>
+            <a:pPr algn="ctr"/>
+            <a:endParaRPr lang="hu-HU"/>
+          </a:p>
+        </p:txBody>
+      </p:sp>
+      <p:sp>
+        <p:nvSpPr>
+          <p:cNvPr id="7" name="Téglalap 6"/>
+          <p:cNvSpPr/>
+          <p:nvPr/>
+        </p:nvSpPr>
+        <p:spPr>
+          <a:xfrm>
+            <a:off x="15389225" y="32635825"/>
+            <a:ext cx="13479689" cy="8674949"/>
+          </a:xfrm>
+          <a:prstGeom prst="rect">
+            <a:avLst/>
+          </a:prstGeom>
+          <a:solidFill>
+            <a:srgbClr val="FFFFFF"/>
+          </a:solidFill>
+          <a:ln>
+            <a:noFill/>
+          </a:ln>
+        </p:spPr>
+        <p:style>
+          <a:lnRef idx="2">
+            <a:schemeClr val="accent1">
+              <a:shade val="50000"/>
+            </a:schemeClr>
+          </a:lnRef>
+          <a:fillRef idx="1">
+            <a:schemeClr val="accent1"/>
+          </a:fillRef>
+          <a:effectRef idx="0">
+            <a:schemeClr val="accent1"/>
+          </a:effectRef>
+          <a:fontRef idx="minor">
+            <a:schemeClr val="lt1"/>
+          </a:fontRef>
+        </p:style>
+        <p:txBody>
+          <a:bodyPr rtlCol="0" anchor="ctr"/>
+          <a:lstStyle/>
+          <a:p>
+            <a:pPr algn="ctr"/>
+            <a:endParaRPr lang="hu-HU"/>
+          </a:p>
+        </p:txBody>
+      </p:sp>
+      <p:sp>
+        <p:nvSpPr>
+          <p:cNvPr id="12" name="Téglalap 11"/>
+          <p:cNvSpPr/>
+          <p:nvPr/>
+        </p:nvSpPr>
+        <p:spPr>
+          <a:xfrm>
+            <a:off x="21691782" y="38366395"/>
+            <a:ext cx="1705811" cy="2732994"/>
+          </a:xfrm>
+          <a:prstGeom prst="rect">
+            <a:avLst/>
+          </a:prstGeom>
+          <a:solidFill>
+            <a:srgbClr val="8C7D77"/>
+          </a:solidFill>
+          <a:ln>
+            <a:noFill/>
+          </a:ln>
+        </p:spPr>
+        <p:style>
+          <a:lnRef idx="2">
+            <a:schemeClr val="accent1">
+              <a:shade val="50000"/>
+            </a:schemeClr>
+          </a:lnRef>
+          <a:fillRef idx="1">
+            <a:schemeClr val="accent1"/>
+          </a:fillRef>
+          <a:effectRef idx="0">
+            <a:schemeClr val="accent1"/>
+          </a:effectRef>
+          <a:fontRef idx="minor">
+            <a:schemeClr val="lt1"/>
+          </a:fontRef>
+        </p:style>
+        <p:txBody>
+          <a:bodyPr rtlCol="0" anchor="ctr"/>
+          <a:lstStyle/>
+          <a:p>
+            <a:pPr algn="ctr"/>
+            <a:endParaRPr lang="hu-HU"/>
+          </a:p>
+        </p:txBody>
+      </p:sp>
+      <p:sp>
+        <p:nvSpPr>
+          <p:cNvPr id="3" name="Szövegdoboz 2"/>
+          <p:cNvSpPr txBox="1"/>
+          <p:nvPr/>
+        </p:nvSpPr>
+        <p:spPr>
+          <a:xfrm>
+            <a:off x="2123352" y="9949509"/>
+            <a:ext cx="12010879" cy="1107996"/>
+          </a:xfrm>
+          <a:prstGeom prst="rect">
+            <a:avLst/>
+          </a:prstGeom>
+          <a:noFill/>
+        </p:spPr>
+        <p:txBody>
+          <a:bodyPr wrap="square" rtlCol="0">
+            <a:spAutoFit/>
+          </a:bodyPr>
+          <a:lstStyle/>
+          <a:p>
+            <a:r>
+              <a:rPr lang="hu-HU" sz="6600" dirty="0" smtClean="0">
+                <a:latin typeface="Montserrat Medium" panose="00000600000000000000" pitchFamily="2" charset="-18"/>
+                <a:ea typeface="Roboto Medium" panose="02000000000000000000" pitchFamily="2" charset="0"/>
+              </a:rPr>
+              <a:t>Background and </a:t>
+            </a:r>
+            <a:r>
+              <a:rPr lang="hu-HU" sz="6600" dirty="0" err="1" smtClean="0">
+                <a:latin typeface="Montserrat Medium" panose="00000600000000000000" pitchFamily="2" charset="-18"/>
+                <a:ea typeface="Roboto Medium" panose="02000000000000000000" pitchFamily="2" charset="0"/>
+              </a:rPr>
+              <a:t>aims</a:t>
+            </a:r>
+            <a:endParaRPr lang="hu-HU" sz="6600" dirty="0">
+              <a:latin typeface="Montserrat Medium" panose="00000600000000000000" pitchFamily="2" charset="-18"/>
+              <a:ea typeface="Roboto Medium" panose="02000000000000000000" pitchFamily="2" charset="0"/>
+            </a:endParaRPr>
+          </a:p>
+        </p:txBody>
+      </p:sp>
+      <p:sp>
+        <p:nvSpPr>
+          <p:cNvPr id="13" name="Szövegdoboz 12"/>
+          <p:cNvSpPr txBox="1"/>
+          <p:nvPr/>
+        </p:nvSpPr>
+        <p:spPr>
+          <a:xfrm>
+            <a:off x="1623218" y="21423240"/>
+            <a:ext cx="13514387" cy="1107996"/>
+          </a:xfrm>
+          <a:prstGeom prst="rect">
+            <a:avLst/>
+          </a:prstGeom>
+          <a:noFill/>
+        </p:spPr>
+        <p:txBody>
+          <a:bodyPr wrap="square" rtlCol="0">
+            <a:spAutoFit/>
+          </a:bodyPr>
+          <a:lstStyle>
+            <a:defPPr>
+              <a:defRPr lang="en-US"/>
+            </a:defPPr>
+            <a:lvl1pPr>
+              <a:defRPr sz="7200">
+                <a:latin typeface="Montserrat Medium" panose="00000600000000000000" pitchFamily="2" charset="-18"/>
+                <a:ea typeface="Roboto Medium" panose="02000000000000000000" pitchFamily="2" charset="0"/>
+              </a:defRPr>
+            </a:lvl1pPr>
+          </a:lstStyle>
+          <a:p>
+            <a:r>
+              <a:rPr lang="hu-HU" sz="6600" dirty="0" err="1" smtClean="0"/>
+              <a:t>Task</a:t>
+            </a:r>
+            <a:r>
+              <a:rPr lang="hu-HU" sz="6600" dirty="0" smtClean="0"/>
+              <a:t> and index </a:t>
+            </a:r>
+            <a:r>
+              <a:rPr lang="hu-HU" sz="6600" dirty="0" err="1" smtClean="0"/>
+              <a:t>selection</a:t>
+            </a:r>
+            <a:endParaRPr lang="hu-HU" sz="6600" dirty="0"/>
+          </a:p>
+        </p:txBody>
+      </p:sp>
+      <p:sp>
+        <p:nvSpPr>
+          <p:cNvPr id="14" name="Szövegdoboz 13"/>
+          <p:cNvSpPr txBox="1"/>
+          <p:nvPr/>
+        </p:nvSpPr>
+        <p:spPr>
+          <a:xfrm>
+            <a:off x="15900272" y="9939162"/>
+            <a:ext cx="11643361" cy="1107996"/>
+          </a:xfrm>
+          <a:prstGeom prst="rect">
+            <a:avLst/>
+          </a:prstGeom>
+          <a:noFill/>
+        </p:spPr>
+        <p:txBody>
+          <a:bodyPr wrap="square" rtlCol="0">
+            <a:spAutoFit/>
+          </a:bodyPr>
+          <a:lstStyle>
+            <a:defPPr>
+              <a:defRPr lang="en-US"/>
+            </a:defPPr>
+            <a:lvl1pPr>
+              <a:defRPr sz="7200">
+                <a:solidFill>
+                  <a:schemeClr val="bg1"/>
+                </a:solidFill>
+                <a:latin typeface="Montserrat Medium" panose="00000600000000000000" pitchFamily="2" charset="-18"/>
+                <a:ea typeface="Roboto Medium" panose="02000000000000000000" pitchFamily="2" charset="0"/>
+              </a:defRPr>
+            </a:lvl1pPr>
+          </a:lstStyle>
+          <a:p>
+            <a:r>
+              <a:rPr lang="hu-HU" sz="6600" dirty="0" err="1">
+                <a:solidFill>
+                  <a:schemeClr val="tx1"/>
+                </a:solidFill>
+              </a:rPr>
+              <a:t>Results</a:t>
+            </a:r>
+            <a:endParaRPr lang="hu-HU" sz="6600" dirty="0">
+              <a:solidFill>
+                <a:schemeClr val="tx1"/>
+              </a:solidFill>
+            </a:endParaRPr>
+          </a:p>
+        </p:txBody>
+      </p:sp>
+      <p:sp>
+        <p:nvSpPr>
+          <p:cNvPr id="15" name="Szövegdoboz 14"/>
+          <p:cNvSpPr txBox="1"/>
+          <p:nvPr/>
+        </p:nvSpPr>
+        <p:spPr>
+          <a:xfrm>
+            <a:off x="15389227" y="33340602"/>
+            <a:ext cx="13982924" cy="1107996"/>
+          </a:xfrm>
+          <a:prstGeom prst="rect">
+            <a:avLst/>
+          </a:prstGeom>
+          <a:noFill/>
+        </p:spPr>
+        <p:txBody>
+          <a:bodyPr wrap="square" rtlCol="0">
+            <a:spAutoFit/>
+          </a:bodyPr>
+          <a:lstStyle>
+            <a:defPPr>
+              <a:defRPr lang="en-US"/>
+            </a:defPPr>
+            <a:lvl1pPr>
+              <a:defRPr sz="7200">
+                <a:latin typeface="Montserrat Medium" panose="00000600000000000000" pitchFamily="2" charset="-18"/>
+                <a:ea typeface="Roboto Medium" panose="02000000000000000000" pitchFamily="2" charset="0"/>
+              </a:defRPr>
+            </a:lvl1pPr>
+          </a:lstStyle>
+          <a:p>
+            <a:r>
+              <a:rPr lang="hu-HU" sz="6600" dirty="0" err="1"/>
+              <a:t>References</a:t>
+            </a:r>
+            <a:r>
+              <a:rPr lang="hu-HU" sz="6600" dirty="0"/>
+              <a:t>, </a:t>
+            </a:r>
+            <a:r>
+              <a:rPr lang="hu-HU" sz="6600" dirty="0" err="1"/>
+              <a:t>ackn</a:t>
+            </a:r>
+            <a:r>
+              <a:rPr lang="hu-HU" sz="6600" dirty="0"/>
+              <a:t>., &amp; </a:t>
+            </a:r>
+            <a:r>
+              <a:rPr lang="hu-HU" sz="6600" dirty="0" err="1"/>
+              <a:t>contact</a:t>
+            </a:r>
+            <a:r>
+              <a:rPr lang="hu-HU" sz="6600" dirty="0"/>
+              <a:t>…</a:t>
+            </a:r>
+            <a:endParaRPr lang="hu-HU" sz="6600" dirty="0"/>
+          </a:p>
+        </p:txBody>
+      </p:sp>
+      <p:sp>
+        <p:nvSpPr>
+          <p:cNvPr id="16" name="Szövegdoboz 15"/>
+          <p:cNvSpPr txBox="1"/>
+          <p:nvPr/>
+        </p:nvSpPr>
+        <p:spPr>
+          <a:xfrm>
+            <a:off x="2042180" y="12084904"/>
+            <a:ext cx="12924689" cy="2147511"/>
+          </a:xfrm>
+          <a:prstGeom prst="rect">
+            <a:avLst/>
+          </a:prstGeom>
+          <a:noFill/>
+        </p:spPr>
+        <p:txBody>
+          <a:bodyPr wrap="square" rtlCol="0">
+            <a:spAutoFit/>
+          </a:bodyPr>
+          <a:lstStyle/>
+          <a:p>
+            <a:pPr marL="571500" indent="-571500">
+              <a:lnSpc>
+                <a:spcPct val="114000"/>
+              </a:lnSpc>
+              <a:spcAft>
+                <a:spcPts val="2400"/>
+              </a:spcAft>
+              <a:buClr>
+                <a:srgbClr val="53A394"/>
+              </a:buClr>
+              <a:buSzPct val="100000"/>
+              <a:buFont typeface="Calibri" panose="020F0502020204030204" pitchFamily="34" charset="0"/>
+              <a:buChar char="●"/>
+            </a:pPr>
+            <a:r>
+              <a:rPr lang="hu-HU" sz="2800" dirty="0" err="1" smtClean="0">
+                <a:latin typeface="Montserrat" panose="00000500000000000000" pitchFamily="2" charset="-18"/>
+                <a:ea typeface="Roboto" panose="02000000000000000000" pitchFamily="2" charset="0"/>
+              </a:rPr>
+              <a:t>bullet</a:t>
+            </a:r>
+            <a:r>
+              <a:rPr lang="hu-HU" sz="2800" dirty="0" smtClean="0">
+                <a:latin typeface="Montserrat" panose="00000500000000000000" pitchFamily="2" charset="-18"/>
+                <a:ea typeface="Roboto" panose="02000000000000000000" pitchFamily="2" charset="0"/>
+              </a:rPr>
+              <a:t> </a:t>
+            </a:r>
+            <a:r>
+              <a:rPr lang="hu-HU" sz="2800" dirty="0" err="1" smtClean="0">
+                <a:latin typeface="Montserrat" panose="00000500000000000000" pitchFamily="2" charset="-18"/>
+                <a:ea typeface="Roboto" panose="02000000000000000000" pitchFamily="2" charset="0"/>
+              </a:rPr>
+              <a:t>points</a:t>
+            </a:r>
+            <a:endParaRPr lang="hu-HU" sz="2800" dirty="0" smtClean="0">
+              <a:latin typeface="Montserrat" panose="00000500000000000000" pitchFamily="2" charset="-18"/>
+              <a:ea typeface="Roboto" panose="02000000000000000000" pitchFamily="2" charset="0"/>
+            </a:endParaRPr>
+          </a:p>
+          <a:p>
+            <a:pPr marL="571500" indent="-571500">
+              <a:lnSpc>
+                <a:spcPct val="114000"/>
+              </a:lnSpc>
+              <a:spcAft>
+                <a:spcPts val="2400"/>
+              </a:spcAft>
+              <a:buClr>
+                <a:srgbClr val="53A394"/>
+              </a:buClr>
+              <a:buSzPct val="100000"/>
+              <a:buFont typeface="Calibri" panose="020F0502020204030204" pitchFamily="34" charset="0"/>
+              <a:buChar char="●"/>
+            </a:pPr>
+            <a:r>
+              <a:rPr lang="hu-HU" sz="2800" dirty="0" err="1" smtClean="0">
+                <a:latin typeface="Montserrat" panose="00000500000000000000" pitchFamily="2" charset="-18"/>
+                <a:ea typeface="Roboto" panose="02000000000000000000" pitchFamily="2" charset="0"/>
+              </a:rPr>
+              <a:t>bullet</a:t>
+            </a:r>
+            <a:r>
+              <a:rPr lang="hu-HU" sz="2800" dirty="0" smtClean="0">
+                <a:latin typeface="Montserrat" panose="00000500000000000000" pitchFamily="2" charset="-18"/>
+                <a:ea typeface="Roboto" panose="02000000000000000000" pitchFamily="2" charset="0"/>
+              </a:rPr>
+              <a:t> </a:t>
+            </a:r>
+            <a:r>
+              <a:rPr lang="hu-HU" sz="2800" dirty="0" err="1" smtClean="0">
+                <a:latin typeface="Montserrat" panose="00000500000000000000" pitchFamily="2" charset="-18"/>
+                <a:ea typeface="Roboto" panose="02000000000000000000" pitchFamily="2" charset="0"/>
+              </a:rPr>
+              <a:t>points</a:t>
+            </a:r>
+            <a:endParaRPr lang="hu-HU" sz="2800" dirty="0" smtClean="0">
+              <a:latin typeface="Montserrat" panose="00000500000000000000" pitchFamily="2" charset="-18"/>
+              <a:ea typeface="Roboto" panose="02000000000000000000" pitchFamily="2" charset="0"/>
+            </a:endParaRPr>
+          </a:p>
+          <a:p>
+            <a:pPr marL="571500" indent="-571500">
+              <a:lnSpc>
+                <a:spcPct val="114000"/>
+              </a:lnSpc>
+              <a:spcAft>
+                <a:spcPts val="2400"/>
+              </a:spcAft>
+              <a:buClr>
+                <a:srgbClr val="53A394"/>
+              </a:buClr>
+              <a:buSzPct val="100000"/>
+              <a:buFont typeface="Calibri" panose="020F0502020204030204" pitchFamily="34" charset="0"/>
+              <a:buChar char="●"/>
+            </a:pPr>
+            <a:r>
+              <a:rPr lang="hu-HU" sz="2800" dirty="0" err="1" smtClean="0">
+                <a:latin typeface="Montserrat" panose="00000500000000000000" pitchFamily="2" charset="-18"/>
+                <a:ea typeface="Roboto" panose="02000000000000000000" pitchFamily="2" charset="0"/>
+              </a:rPr>
+              <a:t>bullet</a:t>
+            </a:r>
+            <a:r>
+              <a:rPr lang="hu-HU" sz="2800" dirty="0" smtClean="0">
+                <a:latin typeface="Montserrat" panose="00000500000000000000" pitchFamily="2" charset="-18"/>
+                <a:ea typeface="Roboto" panose="02000000000000000000" pitchFamily="2" charset="0"/>
+              </a:rPr>
+              <a:t> </a:t>
+            </a:r>
+            <a:r>
+              <a:rPr lang="hu-HU" sz="2800" dirty="0" err="1" smtClean="0">
+                <a:latin typeface="Montserrat" panose="00000500000000000000" pitchFamily="2" charset="-18"/>
+                <a:ea typeface="Roboto" panose="02000000000000000000" pitchFamily="2" charset="0"/>
+              </a:rPr>
+              <a:t>points</a:t>
+            </a:r>
+            <a:endParaRPr lang="hu-HU" sz="2800" dirty="0">
+              <a:latin typeface="Montserrat" panose="00000500000000000000" pitchFamily="2" charset="-18"/>
+              <a:ea typeface="Roboto" panose="02000000000000000000" pitchFamily="2" charset="0"/>
+            </a:endParaRPr>
+          </a:p>
+        </p:txBody>
+      </p:sp>
+      <p:sp>
+        <p:nvSpPr>
+          <p:cNvPr id="17" name="Szövegdoboz 16"/>
+          <p:cNvSpPr txBox="1"/>
+          <p:nvPr/>
+        </p:nvSpPr>
+        <p:spPr>
+          <a:xfrm>
+            <a:off x="1905419" y="1747964"/>
+            <a:ext cx="26490051" cy="3373809"/>
+          </a:xfrm>
+          <a:prstGeom prst="rect">
+            <a:avLst/>
+          </a:prstGeom>
+          <a:noFill/>
+        </p:spPr>
+        <p:txBody>
+          <a:bodyPr wrap="square" rtlCol="0">
+            <a:spAutoFit/>
+          </a:bodyPr>
+          <a:lstStyle/>
+          <a:p>
+            <a:pPr>
+              <a:lnSpc>
+                <a:spcPct val="110000"/>
+              </a:lnSpc>
+            </a:pPr>
+            <a:r>
+              <a:rPr lang="en-US" sz="6600" dirty="0">
+                <a:latin typeface="Montserrat Medium" panose="00000600000000000000" pitchFamily="2" charset="-18"/>
+              </a:rPr>
+              <a:t>The effect of statistical learning and general cognitive skills on language </a:t>
+            </a:r>
+            <a:r>
+              <a:rPr lang="en-US" sz="6600" dirty="0" smtClean="0">
+                <a:latin typeface="Montserrat Medium" panose="00000600000000000000" pitchFamily="2" charset="-18"/>
+              </a:rPr>
+              <a:t>processing:</a:t>
+            </a:r>
+            <a:r>
+              <a:rPr lang="hu-HU" sz="6600" dirty="0">
+                <a:latin typeface="Montserrat Medium" panose="00000600000000000000" pitchFamily="2" charset="-18"/>
+              </a:rPr>
+              <a:t/>
+            </a:r>
+            <a:br>
+              <a:rPr lang="hu-HU" sz="6600" dirty="0">
+                <a:latin typeface="Montserrat Medium" panose="00000600000000000000" pitchFamily="2" charset="-18"/>
+              </a:rPr>
+            </a:br>
+            <a:r>
+              <a:rPr lang="en-US" sz="6600" dirty="0" smtClean="0">
+                <a:latin typeface="Montserrat Medium" panose="00000600000000000000" pitchFamily="2" charset="-18"/>
+              </a:rPr>
+              <a:t>a </a:t>
+            </a:r>
+            <a:r>
+              <a:rPr lang="en-US" sz="6600" dirty="0">
+                <a:latin typeface="Montserrat Medium" panose="00000600000000000000" pitchFamily="2" charset="-18"/>
+              </a:rPr>
+              <a:t>structural equation modeling study</a:t>
+            </a:r>
+            <a:endParaRPr lang="hu-HU" sz="6600" dirty="0">
+              <a:latin typeface="Montserrat Medium" panose="00000600000000000000" pitchFamily="2" charset="-18"/>
+            </a:endParaRPr>
+          </a:p>
+        </p:txBody>
+      </p:sp>
+      <p:pic>
+        <p:nvPicPr>
+          <p:cNvPr id="18" name="Kép 17"/>
+          <p:cNvPicPr>
+            <a:picLocks noChangeAspect="1"/>
+          </p:cNvPicPr>
+          <p:nvPr/>
+        </p:nvPicPr>
+        <p:blipFill>
+          <a:blip r:embed="rId2">
             <a:extLst>
-              <a:ext uri="{FF2B5EF4-FFF2-40B4-BE49-F238E27FC236}">
-                <a16:creationId xmlns:a16="http://schemas.microsoft.com/office/drawing/2014/main" id="{26C74F07-56FF-2A24-9C29-5657131300BB}"/>
+              <a:ext uri="{28A0092B-C50C-407E-A947-70E740481C1C}">
+                <a14:useLocalDpi xmlns:a14="http://schemas.microsoft.com/office/drawing/2010/main" val="0"/>
               </a:ext>
             </a:extLst>
-          </p:cNvPr>
-          <p:cNvSpPr>
-            <a:spLocks noGrp="1"/>
-          </p:cNvSpPr>
-          <p:nvPr>
-            <p:ph type="ctrTitle"/>
-          </p:nvPr>
-        </p:nvSpPr>
-        <p:spPr/>
-        <p:txBody>
-          <a:bodyPr/>
-          <a:lstStyle/>
-          <a:p>
-            <a:r>
-              <a:rPr lang="hu-HU" dirty="0" err="1"/>
-              <a:t>hg</a:t>
-            </a:r>
-            <a:endParaRPr lang="en-GB" dirty="0"/>
-          </a:p>
-        </p:txBody>
-      </p:sp>
-      <p:sp>
-        <p:nvSpPr>
-          <p:cNvPr id="3" name="Alcím 2">
+          </a:blip>
+          <a:stretch>
+            <a:fillRect/>
+          </a:stretch>
+        </p:blipFill>
+        <p:spPr>
+          <a:xfrm>
+            <a:off x="23900830" y="35882354"/>
+            <a:ext cx="4968083" cy="4968083"/>
+          </a:xfrm>
+          <a:prstGeom prst="rect">
+            <a:avLst/>
+          </a:prstGeom>
+        </p:spPr>
+      </p:pic>
+      <p:grpSp>
+        <p:nvGrpSpPr>
+          <p:cNvPr id="25" name="Csoportba foglalás 24"/>
+          <p:cNvGrpSpPr/>
+          <p:nvPr/>
+        </p:nvGrpSpPr>
+        <p:grpSpPr>
+          <a:xfrm>
+            <a:off x="2153382" y="31046053"/>
+            <a:ext cx="1266093" cy="1162050"/>
+            <a:chOff x="2153382" y="24405771"/>
+            <a:chExt cx="1266093" cy="1162050"/>
+          </a:xfrm>
+        </p:grpSpPr>
+        <p:sp>
+          <p:nvSpPr>
+            <p:cNvPr id="20" name="Ellipszis 19"/>
+            <p:cNvSpPr/>
+            <p:nvPr/>
+          </p:nvSpPr>
+          <p:spPr>
+            <a:xfrm>
+              <a:off x="2205404" y="24405771"/>
+              <a:ext cx="1162050" cy="1162050"/>
+            </a:xfrm>
+            <a:prstGeom prst="ellipse">
+              <a:avLst/>
+            </a:prstGeom>
+            <a:solidFill>
+              <a:srgbClr val="53A394"/>
+            </a:solidFill>
+            <a:ln>
+              <a:noFill/>
+            </a:ln>
+          </p:spPr>
+          <p:style>
+            <a:lnRef idx="2">
+              <a:schemeClr val="accent1">
+                <a:shade val="50000"/>
+              </a:schemeClr>
+            </a:lnRef>
+            <a:fillRef idx="1">
+              <a:schemeClr val="accent1"/>
+            </a:fillRef>
+            <a:effectRef idx="0">
+              <a:schemeClr val="accent1"/>
+            </a:effectRef>
+            <a:fontRef idx="minor">
+              <a:schemeClr val="lt1"/>
+            </a:fontRef>
+          </p:style>
+          <p:txBody>
+            <a:bodyPr rtlCol="0" anchor="ctr"/>
+            <a:lstStyle/>
+            <a:p>
+              <a:pPr algn="ctr"/>
+              <a:endParaRPr lang="hu-HU" sz="2800"/>
+            </a:p>
+          </p:txBody>
+        </p:sp>
+        <p:sp>
+          <p:nvSpPr>
+            <p:cNvPr id="21" name="Szövegdoboz 20"/>
+            <p:cNvSpPr txBox="1"/>
+            <p:nvPr/>
+          </p:nvSpPr>
+          <p:spPr>
+            <a:xfrm>
+              <a:off x="2153382" y="24721624"/>
+              <a:ext cx="1266093" cy="523220"/>
+            </a:xfrm>
+            <a:prstGeom prst="rect">
+              <a:avLst/>
+            </a:prstGeom>
+            <a:noFill/>
+          </p:spPr>
+          <p:txBody>
+            <a:bodyPr wrap="square" rtlCol="0" anchor="ctr">
+              <a:spAutoFit/>
+            </a:bodyPr>
+            <a:lstStyle/>
+            <a:p>
+              <a:pPr algn="ctr"/>
+              <a:r>
+                <a:rPr lang="hu-HU" sz="2800" dirty="0" smtClean="0">
+                  <a:solidFill>
+                    <a:schemeClr val="bg1"/>
+                  </a:solidFill>
+                </a:rPr>
+                <a:t>1</a:t>
+              </a:r>
+              <a:endParaRPr lang="hu-HU" sz="2800" dirty="0">
+                <a:solidFill>
+                  <a:schemeClr val="bg1"/>
+                </a:solidFill>
+              </a:endParaRPr>
+            </a:p>
+          </p:txBody>
+        </p:sp>
+      </p:grpSp>
+      <p:sp>
+        <p:nvSpPr>
+          <p:cNvPr id="22" name="Szövegdoboz 21"/>
+          <p:cNvSpPr txBox="1"/>
+          <p:nvPr/>
+        </p:nvSpPr>
+        <p:spPr>
+          <a:xfrm>
+            <a:off x="20313727" y="11613362"/>
+            <a:ext cx="8081744" cy="2147511"/>
+          </a:xfrm>
+          <a:prstGeom prst="rect">
+            <a:avLst/>
+          </a:prstGeom>
+          <a:noFill/>
+        </p:spPr>
+        <p:txBody>
+          <a:bodyPr wrap="square" rtlCol="0">
+            <a:spAutoFit/>
+          </a:bodyPr>
+          <a:lstStyle>
+            <a:defPPr>
+              <a:defRPr lang="en-US"/>
+            </a:defPPr>
+            <a:lvl1pPr marL="571500" indent="-571500">
+              <a:lnSpc>
+                <a:spcPct val="114000"/>
+              </a:lnSpc>
+              <a:spcAft>
+                <a:spcPts val="2400"/>
+              </a:spcAft>
+              <a:buClr>
+                <a:srgbClr val="53A394"/>
+              </a:buClr>
+              <a:buSzPct val="100000"/>
+              <a:buFont typeface="Calibri" panose="020F0502020204030204" pitchFamily="34" charset="0"/>
+              <a:buChar char="●"/>
+              <a:defRPr sz="3600">
+                <a:latin typeface="Montserrat" panose="00000500000000000000" pitchFamily="2" charset="-18"/>
+                <a:ea typeface="Roboto" panose="02000000000000000000" pitchFamily="2" charset="0"/>
+              </a:defRPr>
+            </a:lvl1pPr>
+          </a:lstStyle>
+          <a:p>
+            <a:r>
+              <a:rPr lang="hu-HU" sz="2800" dirty="0" err="1"/>
+              <a:t>bullet</a:t>
+            </a:r>
+            <a:r>
+              <a:rPr lang="hu-HU" sz="2800" dirty="0"/>
+              <a:t> </a:t>
+            </a:r>
+            <a:r>
+              <a:rPr lang="hu-HU" sz="2800" dirty="0" err="1"/>
+              <a:t>points</a:t>
+            </a:r>
+            <a:endParaRPr lang="hu-HU" sz="2800" dirty="0"/>
+          </a:p>
+          <a:p>
+            <a:r>
+              <a:rPr lang="hu-HU" sz="2800" dirty="0" err="1"/>
+              <a:t>bullet</a:t>
+            </a:r>
+            <a:r>
+              <a:rPr lang="hu-HU" sz="2800" dirty="0"/>
+              <a:t> </a:t>
+            </a:r>
+            <a:r>
+              <a:rPr lang="hu-HU" sz="2800" dirty="0" err="1"/>
+              <a:t>points</a:t>
+            </a:r>
+            <a:endParaRPr lang="hu-HU" sz="2800" dirty="0"/>
+          </a:p>
+          <a:p>
+            <a:r>
+              <a:rPr lang="hu-HU" sz="2800" dirty="0" err="1"/>
+              <a:t>bullet</a:t>
+            </a:r>
+            <a:r>
+              <a:rPr lang="hu-HU" sz="2800" dirty="0"/>
+              <a:t> </a:t>
+            </a:r>
+            <a:r>
+              <a:rPr lang="hu-HU" sz="2800" dirty="0" err="1"/>
+              <a:t>points</a:t>
+            </a:r>
+            <a:endParaRPr lang="hu-HU" sz="2800" dirty="0"/>
+          </a:p>
+        </p:txBody>
+      </p:sp>
+      <p:sp>
+        <p:nvSpPr>
+          <p:cNvPr id="24" name="Szövegdoboz 23"/>
+          <p:cNvSpPr txBox="1"/>
+          <p:nvPr/>
+        </p:nvSpPr>
+        <p:spPr>
+          <a:xfrm>
+            <a:off x="1666448" y="38204161"/>
+            <a:ext cx="12924689" cy="2181559"/>
+          </a:xfrm>
+          <a:prstGeom prst="rect">
+            <a:avLst/>
+          </a:prstGeom>
+          <a:noFill/>
+        </p:spPr>
+        <p:txBody>
+          <a:bodyPr wrap="square" rtlCol="0">
+            <a:spAutoFit/>
+          </a:bodyPr>
+          <a:lstStyle>
+            <a:defPPr>
+              <a:defRPr lang="en-US"/>
+            </a:defPPr>
+            <a:lvl1pPr marL="571500" indent="-571500">
+              <a:lnSpc>
+                <a:spcPct val="114000"/>
+              </a:lnSpc>
+              <a:spcAft>
+                <a:spcPts val="2400"/>
+              </a:spcAft>
+              <a:buClr>
+                <a:srgbClr val="53A394"/>
+              </a:buClr>
+              <a:buSzPct val="100000"/>
+              <a:buFont typeface="Calibri" panose="020F0502020204030204" pitchFamily="34" charset="0"/>
+              <a:buChar char="●"/>
+              <a:defRPr sz="3600">
+                <a:latin typeface="Montserrat" panose="00000500000000000000" pitchFamily="2" charset="-18"/>
+                <a:ea typeface="Roboto" panose="02000000000000000000" pitchFamily="2" charset="0"/>
+              </a:defRPr>
+            </a:lvl1pPr>
+          </a:lstStyle>
+          <a:p>
+            <a:r>
+              <a:rPr lang="hu-HU" sz="2800" dirty="0" err="1"/>
+              <a:t>bullet</a:t>
+            </a:r>
+            <a:r>
+              <a:rPr lang="hu-HU" sz="2800" dirty="0"/>
+              <a:t> </a:t>
+            </a:r>
+            <a:r>
+              <a:rPr lang="hu-HU" sz="2800" dirty="0" err="1"/>
+              <a:t>points</a:t>
+            </a:r>
+            <a:endParaRPr lang="hu-HU" sz="2800" dirty="0"/>
+          </a:p>
+          <a:p>
+            <a:r>
+              <a:rPr lang="hu-HU" sz="2800" dirty="0" err="1"/>
+              <a:t>bullet</a:t>
+            </a:r>
+            <a:r>
+              <a:rPr lang="hu-HU" sz="2800" dirty="0"/>
+              <a:t> </a:t>
+            </a:r>
+            <a:r>
+              <a:rPr lang="hu-HU" sz="2800" dirty="0" err="1"/>
+              <a:t>points</a:t>
+            </a:r>
+            <a:endParaRPr lang="hu-HU" sz="2800" dirty="0"/>
+          </a:p>
+          <a:p>
+            <a:r>
+              <a:rPr lang="hu-HU" sz="2800" dirty="0" err="1"/>
+              <a:t>bullet</a:t>
+            </a:r>
+            <a:r>
+              <a:rPr lang="hu-HU" sz="2800" dirty="0"/>
+              <a:t> </a:t>
+            </a:r>
+            <a:r>
+              <a:rPr lang="hu-HU" sz="2800" dirty="0" err="1"/>
+              <a:t>points</a:t>
+            </a:r>
+            <a:endParaRPr lang="hu-HU" sz="2800" dirty="0"/>
+          </a:p>
+        </p:txBody>
+      </p:sp>
+      <p:grpSp>
+        <p:nvGrpSpPr>
+          <p:cNvPr id="26" name="Csoportba foglalás 25"/>
+          <p:cNvGrpSpPr/>
+          <p:nvPr/>
+        </p:nvGrpSpPr>
+        <p:grpSpPr>
+          <a:xfrm>
+            <a:off x="2205404" y="33235502"/>
+            <a:ext cx="1266093" cy="1162050"/>
+            <a:chOff x="2153382" y="24405771"/>
+            <a:chExt cx="1266093" cy="1162050"/>
+          </a:xfrm>
+        </p:grpSpPr>
+        <p:sp>
+          <p:nvSpPr>
+            <p:cNvPr id="27" name="Ellipszis 26"/>
+            <p:cNvSpPr/>
+            <p:nvPr/>
+          </p:nvSpPr>
+          <p:spPr>
+            <a:xfrm>
+              <a:off x="2205404" y="24405771"/>
+              <a:ext cx="1162050" cy="1162050"/>
+            </a:xfrm>
+            <a:prstGeom prst="ellipse">
+              <a:avLst/>
+            </a:prstGeom>
+            <a:solidFill>
+              <a:srgbClr val="53A394"/>
+            </a:solidFill>
+            <a:ln>
+              <a:noFill/>
+            </a:ln>
+          </p:spPr>
+          <p:style>
+            <a:lnRef idx="2">
+              <a:schemeClr val="accent1">
+                <a:shade val="50000"/>
+              </a:schemeClr>
+            </a:lnRef>
+            <a:fillRef idx="1">
+              <a:schemeClr val="accent1"/>
+            </a:fillRef>
+            <a:effectRef idx="0">
+              <a:schemeClr val="accent1"/>
+            </a:effectRef>
+            <a:fontRef idx="minor">
+              <a:schemeClr val="lt1"/>
+            </a:fontRef>
+          </p:style>
+          <p:txBody>
+            <a:bodyPr rtlCol="0" anchor="ctr"/>
+            <a:lstStyle/>
+            <a:p>
+              <a:pPr algn="ctr"/>
+              <a:endParaRPr lang="hu-HU" sz="2800"/>
+            </a:p>
+          </p:txBody>
+        </p:sp>
+        <p:sp>
+          <p:nvSpPr>
+            <p:cNvPr id="28" name="Szövegdoboz 27"/>
+            <p:cNvSpPr txBox="1"/>
+            <p:nvPr/>
+          </p:nvSpPr>
+          <p:spPr>
+            <a:xfrm>
+              <a:off x="2153382" y="24721624"/>
+              <a:ext cx="1266093" cy="523220"/>
+            </a:xfrm>
+            <a:prstGeom prst="rect">
+              <a:avLst/>
+            </a:prstGeom>
+            <a:noFill/>
+          </p:spPr>
+          <p:txBody>
+            <a:bodyPr wrap="square" rtlCol="0" anchor="ctr">
+              <a:spAutoFit/>
+            </a:bodyPr>
+            <a:lstStyle/>
+            <a:p>
+              <a:pPr algn="ctr"/>
+              <a:r>
+                <a:rPr lang="hu-HU" sz="2800" dirty="0">
+                  <a:solidFill>
+                    <a:schemeClr val="bg1"/>
+                  </a:solidFill>
+                </a:rPr>
+                <a:t>2</a:t>
+              </a:r>
+              <a:endParaRPr lang="hu-HU" sz="2800" dirty="0">
+                <a:solidFill>
+                  <a:schemeClr val="bg1"/>
+                </a:solidFill>
+              </a:endParaRPr>
+            </a:p>
+          </p:txBody>
+        </p:sp>
+      </p:grpSp>
+      <p:grpSp>
+        <p:nvGrpSpPr>
+          <p:cNvPr id="29" name="Csoportba foglalás 28"/>
+          <p:cNvGrpSpPr/>
+          <p:nvPr/>
+        </p:nvGrpSpPr>
+        <p:grpSpPr>
+          <a:xfrm>
+            <a:off x="2153382" y="35432075"/>
+            <a:ext cx="1266093" cy="1162050"/>
+            <a:chOff x="2153382" y="24405771"/>
+            <a:chExt cx="1266093" cy="1162050"/>
+          </a:xfrm>
+        </p:grpSpPr>
+        <p:sp>
+          <p:nvSpPr>
+            <p:cNvPr id="30" name="Ellipszis 29"/>
+            <p:cNvSpPr/>
+            <p:nvPr/>
+          </p:nvSpPr>
+          <p:spPr>
+            <a:xfrm>
+              <a:off x="2205404" y="24405771"/>
+              <a:ext cx="1162050" cy="1162050"/>
+            </a:xfrm>
+            <a:prstGeom prst="ellipse">
+              <a:avLst/>
+            </a:prstGeom>
+            <a:solidFill>
+              <a:srgbClr val="53A394"/>
+            </a:solidFill>
+            <a:ln>
+              <a:noFill/>
+            </a:ln>
+          </p:spPr>
+          <p:style>
+            <a:lnRef idx="2">
+              <a:schemeClr val="accent1">
+                <a:shade val="50000"/>
+              </a:schemeClr>
+            </a:lnRef>
+            <a:fillRef idx="1">
+              <a:schemeClr val="accent1"/>
+            </a:fillRef>
+            <a:effectRef idx="0">
+              <a:schemeClr val="accent1"/>
+            </a:effectRef>
+            <a:fontRef idx="minor">
+              <a:schemeClr val="lt1"/>
+            </a:fontRef>
+          </p:style>
+          <p:txBody>
+            <a:bodyPr rtlCol="0" anchor="ctr"/>
+            <a:lstStyle/>
+            <a:p>
+              <a:pPr algn="ctr"/>
+              <a:endParaRPr lang="hu-HU" sz="2800"/>
+            </a:p>
+          </p:txBody>
+        </p:sp>
+        <p:sp>
+          <p:nvSpPr>
+            <p:cNvPr id="31" name="Szövegdoboz 30"/>
+            <p:cNvSpPr txBox="1"/>
+            <p:nvPr/>
+          </p:nvSpPr>
+          <p:spPr>
+            <a:xfrm>
+              <a:off x="2153382" y="24721624"/>
+              <a:ext cx="1266093" cy="523220"/>
+            </a:xfrm>
+            <a:prstGeom prst="rect">
+              <a:avLst/>
+            </a:prstGeom>
+            <a:noFill/>
+          </p:spPr>
+          <p:txBody>
+            <a:bodyPr wrap="square" rtlCol="0" anchor="ctr">
+              <a:spAutoFit/>
+            </a:bodyPr>
+            <a:lstStyle/>
+            <a:p>
+              <a:pPr algn="ctr"/>
+              <a:r>
+                <a:rPr lang="hu-HU" sz="2800" dirty="0">
+                  <a:solidFill>
+                    <a:schemeClr val="bg1"/>
+                  </a:solidFill>
+                </a:rPr>
+                <a:t>3</a:t>
+              </a:r>
+              <a:endParaRPr lang="hu-HU" sz="2800" dirty="0">
+                <a:solidFill>
+                  <a:schemeClr val="bg1"/>
+                </a:solidFill>
+              </a:endParaRPr>
+            </a:p>
+          </p:txBody>
+        </p:sp>
+      </p:grpSp>
+      <p:pic>
+        <p:nvPicPr>
+          <p:cNvPr id="32" name="Kép 31"/>
+          <p:cNvPicPr>
+            <a:picLocks noChangeAspect="1"/>
+          </p:cNvPicPr>
+          <p:nvPr/>
+        </p:nvPicPr>
+        <p:blipFill>
+          <a:blip r:embed="rId3" cstate="hqprint">
             <a:extLst>
-              <a:ext uri="{FF2B5EF4-FFF2-40B4-BE49-F238E27FC236}">
-                <a16:creationId xmlns:a16="http://schemas.microsoft.com/office/drawing/2014/main" id="{A7453134-B388-1DE2-3A93-18D32E1F79F7}"/>
+              <a:ext uri="{28A0092B-C50C-407E-A947-70E740481C1C}">
+                <a14:useLocalDpi xmlns:a14="http://schemas.microsoft.com/office/drawing/2010/main" val="0"/>
               </a:ext>
             </a:extLst>
-          </p:cNvPr>
-          <p:cNvSpPr>
-            <a:spLocks noGrp="1"/>
-          </p:cNvSpPr>
-          <p:nvPr>
-            <p:ph type="subTitle" idx="1"/>
-          </p:nvPr>
-        </p:nvSpPr>
-        <p:spPr/>
-        <p:txBody>
-          <a:bodyPr/>
+          </a:blip>
+          <a:stretch>
+            <a:fillRect/>
+          </a:stretch>
+        </p:blipFill>
+        <p:spPr>
+          <a:xfrm>
+            <a:off x="22150975" y="5103408"/>
+            <a:ext cx="6440437" cy="1786132"/>
+          </a:xfrm>
+          <a:prstGeom prst="rect">
+            <a:avLst/>
+          </a:prstGeom>
+        </p:spPr>
+      </p:pic>
+      <p:sp>
+        <p:nvSpPr>
+          <p:cNvPr id="33" name="Szövegdoboz 32"/>
+          <p:cNvSpPr txBox="1"/>
+          <p:nvPr/>
+        </p:nvSpPr>
+        <p:spPr>
+          <a:xfrm>
+            <a:off x="1905419" y="5849654"/>
+            <a:ext cx="26924965" cy="585032"/>
+          </a:xfrm>
+          <a:prstGeom prst="rect">
+            <a:avLst/>
+          </a:prstGeom>
+          <a:noFill/>
+        </p:spPr>
+        <p:txBody>
+          <a:bodyPr wrap="square" rtlCol="0">
+            <a:spAutoFit/>
+          </a:bodyPr>
           <a:lstStyle/>
           <a:p>
-            <a:endParaRPr lang="en-GB"/>
+            <a:pPr>
+              <a:lnSpc>
+                <a:spcPct val="125000"/>
+              </a:lnSpc>
+            </a:pPr>
+            <a:r>
+              <a:rPr lang="hu-HU" sz="2800" dirty="0" smtClean="0">
+                <a:latin typeface="Montserrat" panose="00000500000000000000" pitchFamily="2" charset="-18"/>
+              </a:rPr>
+              <a:t>Krisztina Sára Lukics</a:t>
+            </a:r>
+            <a:r>
+              <a:rPr lang="hu-HU" sz="2800" baseline="30000" dirty="0">
+                <a:latin typeface="Montserrat" panose="00000500000000000000" pitchFamily="2" charset="-18"/>
+              </a:rPr>
+              <a:t>1,2</a:t>
+            </a:r>
+            <a:r>
+              <a:rPr lang="hu-HU" sz="2800" dirty="0" smtClean="0">
+                <a:latin typeface="Montserrat" panose="00000500000000000000" pitchFamily="2" charset="-18"/>
+              </a:rPr>
+              <a:t>; Dorottya Dobó</a:t>
+            </a:r>
+            <a:r>
+              <a:rPr lang="hu-HU" sz="2800" baseline="30000" dirty="0">
+                <a:latin typeface="Montserrat" panose="00000500000000000000" pitchFamily="2" charset="-18"/>
+              </a:rPr>
+              <a:t>1,2</a:t>
+            </a:r>
+            <a:r>
+              <a:rPr lang="hu-HU" sz="2800" dirty="0" smtClean="0">
+                <a:latin typeface="Montserrat" panose="00000500000000000000" pitchFamily="2" charset="-18"/>
+              </a:rPr>
+              <a:t>; Bálint József Ugrin</a:t>
+            </a:r>
+            <a:r>
+              <a:rPr lang="hu-HU" sz="2800" baseline="30000" dirty="0" smtClean="0">
+                <a:latin typeface="Montserrat" panose="00000500000000000000" pitchFamily="2" charset="-18"/>
+              </a:rPr>
+              <a:t>3,4</a:t>
+            </a:r>
+            <a:r>
+              <a:rPr lang="hu-HU" sz="2800" dirty="0" smtClean="0">
+                <a:latin typeface="Montserrat" panose="00000500000000000000" pitchFamily="2" charset="-18"/>
+              </a:rPr>
+              <a:t>; Ágnes Lukács</a:t>
+            </a:r>
+            <a:r>
+              <a:rPr lang="hu-HU" sz="2800" baseline="30000" dirty="0" smtClean="0">
+                <a:latin typeface="Montserrat" panose="00000500000000000000" pitchFamily="2" charset="-18"/>
+              </a:rPr>
+              <a:t>1,2</a:t>
+            </a:r>
+            <a:endParaRPr lang="hu-HU" sz="2800" baseline="30000" dirty="0">
+              <a:latin typeface="Montserrat" panose="00000500000000000000" pitchFamily="2" charset="-18"/>
+            </a:endParaRPr>
+          </a:p>
+        </p:txBody>
+      </p:sp>
+      <p:sp>
+        <p:nvSpPr>
+          <p:cNvPr id="34" name="Szövegdoboz 33"/>
+          <p:cNvSpPr txBox="1"/>
+          <p:nvPr/>
+        </p:nvSpPr>
+        <p:spPr>
+          <a:xfrm>
+            <a:off x="1905419" y="7072767"/>
+            <a:ext cx="26924965" cy="1377428"/>
+          </a:xfrm>
+          <a:prstGeom prst="rect">
+            <a:avLst/>
+          </a:prstGeom>
+          <a:noFill/>
+        </p:spPr>
+        <p:txBody>
+          <a:bodyPr wrap="square" rtlCol="0">
+            <a:spAutoFit/>
+          </a:bodyPr>
+          <a:lstStyle/>
+          <a:p>
+            <a:pPr>
+              <a:lnSpc>
+                <a:spcPct val="125000"/>
+              </a:lnSpc>
+              <a:spcAft>
+                <a:spcPts val="600"/>
+              </a:spcAft>
+            </a:pPr>
+            <a:r>
+              <a:rPr lang="hu-HU" sz="1400" dirty="0" err="1" smtClean="0">
+                <a:latin typeface="Montserrat" panose="00000500000000000000" pitchFamily="2" charset="-18"/>
+              </a:rPr>
+              <a:t>Department</a:t>
+            </a:r>
+            <a:r>
+              <a:rPr lang="hu-HU" sz="1400" dirty="0" smtClean="0">
+                <a:latin typeface="Montserrat" panose="00000500000000000000" pitchFamily="2" charset="-18"/>
+              </a:rPr>
+              <a:t> of </a:t>
+            </a:r>
+            <a:r>
+              <a:rPr lang="hu-HU" sz="1400" dirty="0" err="1" smtClean="0">
+                <a:latin typeface="Montserrat" panose="00000500000000000000" pitchFamily="2" charset="-18"/>
+              </a:rPr>
+              <a:t>Cognitive</a:t>
+            </a:r>
+            <a:r>
+              <a:rPr lang="hu-HU" sz="1400" dirty="0" smtClean="0">
+                <a:latin typeface="Montserrat" panose="00000500000000000000" pitchFamily="2" charset="-18"/>
+              </a:rPr>
+              <a:t> Science, Budapest University of </a:t>
+            </a:r>
+            <a:r>
+              <a:rPr lang="hu-HU" sz="1400" dirty="0" err="1" smtClean="0">
+                <a:latin typeface="Montserrat" panose="00000500000000000000" pitchFamily="2" charset="-18"/>
+              </a:rPr>
+              <a:t>Technology</a:t>
+            </a:r>
+            <a:r>
+              <a:rPr lang="hu-HU" sz="1400" dirty="0" smtClean="0">
+                <a:latin typeface="Montserrat" panose="00000500000000000000" pitchFamily="2" charset="-18"/>
+              </a:rPr>
+              <a:t> and </a:t>
+            </a:r>
+            <a:r>
+              <a:rPr lang="hu-HU" sz="1400" dirty="0" err="1" smtClean="0">
+                <a:latin typeface="Montserrat" panose="00000500000000000000" pitchFamily="2" charset="-18"/>
+              </a:rPr>
+              <a:t>Economics</a:t>
+            </a:r>
+            <a:r>
+              <a:rPr lang="hu-HU" sz="1400" dirty="0" smtClean="0">
+                <a:latin typeface="Montserrat" panose="00000500000000000000" pitchFamily="2" charset="-18"/>
+              </a:rPr>
+              <a:t>, Budapest, Hungary</a:t>
+            </a:r>
+          </a:p>
+          <a:p>
+            <a:pPr>
+              <a:lnSpc>
+                <a:spcPct val="125000"/>
+              </a:lnSpc>
+              <a:spcAft>
+                <a:spcPts val="600"/>
+              </a:spcAft>
+            </a:pPr>
+            <a:r>
+              <a:rPr lang="hu-HU" sz="1400" dirty="0" smtClean="0">
+                <a:latin typeface="Montserrat" panose="00000500000000000000" pitchFamily="2" charset="-18"/>
+              </a:rPr>
+              <a:t>MTA-BME </a:t>
+            </a:r>
+            <a:r>
+              <a:rPr lang="hu-HU" sz="1400" dirty="0">
+                <a:latin typeface="Montserrat" panose="00000500000000000000" pitchFamily="2" charset="-18"/>
+              </a:rPr>
+              <a:t>Momentum </a:t>
+            </a:r>
+            <a:r>
+              <a:rPr lang="hu-HU" sz="1400" dirty="0" err="1">
+                <a:latin typeface="Montserrat" panose="00000500000000000000" pitchFamily="2" charset="-18"/>
+              </a:rPr>
+              <a:t>Language</a:t>
+            </a:r>
+            <a:r>
+              <a:rPr lang="hu-HU" sz="1400" dirty="0">
+                <a:latin typeface="Montserrat" panose="00000500000000000000" pitchFamily="2" charset="-18"/>
+              </a:rPr>
+              <a:t> </a:t>
+            </a:r>
+            <a:r>
+              <a:rPr lang="hu-HU" sz="1400" dirty="0" err="1">
+                <a:latin typeface="Montserrat" panose="00000500000000000000" pitchFamily="2" charset="-18"/>
+              </a:rPr>
+              <a:t>Acquisition</a:t>
+            </a:r>
+            <a:r>
+              <a:rPr lang="hu-HU" sz="1400" dirty="0">
+                <a:latin typeface="Montserrat" panose="00000500000000000000" pitchFamily="2" charset="-18"/>
+              </a:rPr>
+              <a:t> Research Group, Eötvös Loránd Research Network, ELKH, Budapest, </a:t>
+            </a:r>
+            <a:r>
+              <a:rPr lang="hu-HU" sz="1400" dirty="0" smtClean="0">
+                <a:latin typeface="Montserrat" panose="00000500000000000000" pitchFamily="2" charset="-18"/>
+              </a:rPr>
+              <a:t>Hungary</a:t>
+            </a:r>
+          </a:p>
+          <a:p>
+            <a:pPr>
+              <a:lnSpc>
+                <a:spcPct val="125000"/>
+              </a:lnSpc>
+              <a:spcAft>
+                <a:spcPts val="600"/>
+              </a:spcAft>
+            </a:pPr>
+            <a:r>
+              <a:rPr lang="en-US" sz="1400" dirty="0">
+                <a:latin typeface="Montserrat" panose="00000500000000000000" pitchFamily="2" charset="-18"/>
+              </a:rPr>
+              <a:t>Department of Cognitive Psychology, Institute of Psychology, </a:t>
+            </a:r>
+            <a:r>
+              <a:rPr lang="en-US" sz="1400" dirty="0" err="1">
+                <a:latin typeface="Montserrat" panose="00000500000000000000" pitchFamily="2" charset="-18"/>
+              </a:rPr>
+              <a:t>Eötvös</a:t>
+            </a:r>
+            <a:r>
+              <a:rPr lang="en-US" sz="1400" dirty="0">
+                <a:latin typeface="Montserrat" panose="00000500000000000000" pitchFamily="2" charset="-18"/>
+              </a:rPr>
+              <a:t> </a:t>
+            </a:r>
+            <a:r>
+              <a:rPr lang="en-US" sz="1400" dirty="0" err="1">
+                <a:latin typeface="Montserrat" panose="00000500000000000000" pitchFamily="2" charset="-18"/>
+              </a:rPr>
+              <a:t>Loránd</a:t>
+            </a:r>
+            <a:r>
+              <a:rPr lang="en-US" sz="1400" dirty="0">
+                <a:latin typeface="Montserrat" panose="00000500000000000000" pitchFamily="2" charset="-18"/>
+              </a:rPr>
+              <a:t> University, Budapest, </a:t>
+            </a:r>
+            <a:r>
+              <a:rPr lang="en-US" sz="1400" dirty="0" smtClean="0">
+                <a:latin typeface="Montserrat" panose="00000500000000000000" pitchFamily="2" charset="-18"/>
+              </a:rPr>
+              <a:t>Hungary</a:t>
+            </a:r>
+            <a:endParaRPr lang="hu-HU" sz="1400" dirty="0" smtClean="0">
+              <a:latin typeface="Montserrat" panose="00000500000000000000" pitchFamily="2" charset="-18"/>
+            </a:endParaRPr>
+          </a:p>
+          <a:p>
+            <a:pPr>
+              <a:lnSpc>
+                <a:spcPct val="125000"/>
+              </a:lnSpc>
+              <a:spcAft>
+                <a:spcPts val="600"/>
+              </a:spcAft>
+            </a:pPr>
+            <a:r>
+              <a:rPr lang="hu-HU" sz="1400" dirty="0" err="1">
+                <a:latin typeface="Montserrat" panose="00000500000000000000" pitchFamily="2" charset="-18"/>
+              </a:rPr>
+              <a:t>Psycholinguistics</a:t>
+            </a:r>
+            <a:r>
+              <a:rPr lang="hu-HU" sz="1400" dirty="0">
+                <a:latin typeface="Montserrat" panose="00000500000000000000" pitchFamily="2" charset="-18"/>
+              </a:rPr>
+              <a:t> and </a:t>
+            </a:r>
+            <a:r>
+              <a:rPr lang="hu-HU" sz="1400" dirty="0" err="1">
+                <a:latin typeface="Montserrat" panose="00000500000000000000" pitchFamily="2" charset="-18"/>
+              </a:rPr>
+              <a:t>Neurolinguistics</a:t>
+            </a:r>
+            <a:r>
+              <a:rPr lang="hu-HU" sz="1400" dirty="0">
+                <a:latin typeface="Montserrat" panose="00000500000000000000" pitchFamily="2" charset="-18"/>
+              </a:rPr>
+              <a:t> Research Group, Institute </a:t>
+            </a:r>
+            <a:r>
+              <a:rPr lang="hu-HU" sz="1400" dirty="0" err="1">
+                <a:latin typeface="Montserrat" panose="00000500000000000000" pitchFamily="2" charset="-18"/>
+              </a:rPr>
+              <a:t>for</a:t>
+            </a:r>
+            <a:r>
+              <a:rPr lang="hu-HU" sz="1400" dirty="0">
+                <a:latin typeface="Montserrat" panose="00000500000000000000" pitchFamily="2" charset="-18"/>
+              </a:rPr>
+              <a:t> General and </a:t>
+            </a:r>
+            <a:r>
+              <a:rPr lang="hu-HU" sz="1400" dirty="0" err="1">
+                <a:latin typeface="Montserrat" panose="00000500000000000000" pitchFamily="2" charset="-18"/>
+              </a:rPr>
+              <a:t>Hungarian</a:t>
+            </a:r>
+            <a:r>
+              <a:rPr lang="hu-HU" sz="1400" dirty="0">
+                <a:latin typeface="Montserrat" panose="00000500000000000000" pitchFamily="2" charset="-18"/>
+              </a:rPr>
+              <a:t> </a:t>
+            </a:r>
+            <a:r>
+              <a:rPr lang="hu-HU" sz="1400" dirty="0" err="1">
+                <a:latin typeface="Montserrat" panose="00000500000000000000" pitchFamily="2" charset="-18"/>
+              </a:rPr>
+              <a:t>Linguistics</a:t>
+            </a:r>
+            <a:r>
+              <a:rPr lang="hu-HU" sz="1400" dirty="0">
+                <a:latin typeface="Montserrat" panose="00000500000000000000" pitchFamily="2" charset="-18"/>
+              </a:rPr>
+              <a:t>, ELKH </a:t>
+            </a:r>
+            <a:r>
+              <a:rPr lang="hu-HU" sz="1400" dirty="0" err="1">
+                <a:latin typeface="Montserrat" panose="00000500000000000000" pitchFamily="2" charset="-18"/>
+              </a:rPr>
+              <a:t>Hungarian</a:t>
+            </a:r>
+            <a:r>
+              <a:rPr lang="hu-HU" sz="1400" dirty="0">
+                <a:latin typeface="Montserrat" panose="00000500000000000000" pitchFamily="2" charset="-18"/>
+              </a:rPr>
+              <a:t> Research Centre </a:t>
+            </a:r>
+            <a:r>
+              <a:rPr lang="hu-HU" sz="1400" dirty="0" err="1">
+                <a:latin typeface="Montserrat" panose="00000500000000000000" pitchFamily="2" charset="-18"/>
+              </a:rPr>
+              <a:t>for</a:t>
+            </a:r>
+            <a:r>
+              <a:rPr lang="hu-HU" sz="1400" dirty="0">
+                <a:latin typeface="Montserrat" panose="00000500000000000000" pitchFamily="2" charset="-18"/>
+              </a:rPr>
+              <a:t> </a:t>
+            </a:r>
+            <a:r>
+              <a:rPr lang="hu-HU" sz="1400" dirty="0" err="1">
+                <a:latin typeface="Montserrat" panose="00000500000000000000" pitchFamily="2" charset="-18"/>
+              </a:rPr>
+              <a:t>Linguistics</a:t>
+            </a:r>
+            <a:r>
+              <a:rPr lang="hu-HU" sz="1400" dirty="0">
+                <a:latin typeface="Montserrat" panose="00000500000000000000" pitchFamily="2" charset="-18"/>
+              </a:rPr>
+              <a:t>, </a:t>
+            </a:r>
+            <a:r>
+              <a:rPr lang="hu-HU" sz="1400" dirty="0" smtClean="0">
+                <a:latin typeface="Montserrat" panose="00000500000000000000" pitchFamily="2" charset="-18"/>
+              </a:rPr>
+              <a:t>Budapest, Hungary</a:t>
+            </a:r>
+            <a:endParaRPr lang="hu-HU" sz="1400" dirty="0">
+              <a:latin typeface="Montserrat" panose="00000500000000000000" pitchFamily="2" charset="-18"/>
+            </a:endParaRPr>
+          </a:p>
+        </p:txBody>
+      </p:sp>
+      <p:cxnSp>
+        <p:nvCxnSpPr>
+          <p:cNvPr id="37" name="Egyenes összekötő 36"/>
+          <p:cNvCxnSpPr/>
+          <p:nvPr/>
+        </p:nvCxnSpPr>
+        <p:spPr>
+          <a:xfrm>
+            <a:off x="3450150" y="11454042"/>
+            <a:ext cx="11401279" cy="0"/>
+          </a:xfrm>
+          <a:prstGeom prst="line">
+            <a:avLst/>
+          </a:prstGeom>
+          <a:ln w="38100">
+            <a:solidFill>
+              <a:srgbClr val="53A394"/>
+            </a:solidFill>
+            <a:prstDash val="solid"/>
+          </a:ln>
+        </p:spPr>
+        <p:style>
+          <a:lnRef idx="1">
+            <a:schemeClr val="accent1"/>
+          </a:lnRef>
+          <a:fillRef idx="0">
+            <a:schemeClr val="accent1"/>
+          </a:fillRef>
+          <a:effectRef idx="0">
+            <a:schemeClr val="accent1"/>
+          </a:effectRef>
+          <a:fontRef idx="minor">
+            <a:schemeClr val="tx1"/>
+          </a:fontRef>
+        </p:style>
+      </p:cxnSp>
+      <p:grpSp>
+        <p:nvGrpSpPr>
+          <p:cNvPr id="52" name="Csoportba foglalás 51"/>
+          <p:cNvGrpSpPr/>
+          <p:nvPr/>
+        </p:nvGrpSpPr>
+        <p:grpSpPr>
+          <a:xfrm>
+            <a:off x="8048592" y="12172499"/>
+            <a:ext cx="13420711" cy="11565937"/>
+            <a:chOff x="38288728" y="15640271"/>
+            <a:chExt cx="13420711" cy="11565937"/>
+          </a:xfrm>
+        </p:grpSpPr>
+        <p:grpSp>
+          <p:nvGrpSpPr>
+            <p:cNvPr id="47" name="Csoportba foglalás 46"/>
+            <p:cNvGrpSpPr/>
+            <p:nvPr/>
+          </p:nvGrpSpPr>
+          <p:grpSpPr>
+            <a:xfrm>
+              <a:off x="38288728" y="15640271"/>
+              <a:ext cx="13420711" cy="11565937"/>
+              <a:chOff x="34260754" y="14020800"/>
+              <a:chExt cx="16458620" cy="14184000"/>
+            </a:xfrm>
+          </p:grpSpPr>
+          <p:pic>
+            <p:nvPicPr>
+              <p:cNvPr id="45" name="Kép 44"/>
+              <p:cNvPicPr>
+                <a:picLocks noChangeAspect="1"/>
+              </p:cNvPicPr>
+              <p:nvPr/>
+            </p:nvPicPr>
+            <p:blipFill>
+              <a:blip r:embed="rId4" cstate="hqprint">
+                <a:extLst>
+                  <a:ext uri="{28A0092B-C50C-407E-A947-70E740481C1C}">
+                    <a14:useLocalDpi xmlns:a14="http://schemas.microsoft.com/office/drawing/2010/main" val="0"/>
+                  </a:ext>
+                </a:extLst>
+              </a:blip>
+              <a:stretch>
+                <a:fillRect/>
+              </a:stretch>
+            </p:blipFill>
+            <p:spPr>
+              <a:xfrm>
+                <a:off x="34260754" y="14020800"/>
+                <a:ext cx="16458620" cy="14184000"/>
+              </a:xfrm>
+              <a:prstGeom prst="rect">
+                <a:avLst/>
+              </a:prstGeom>
+            </p:spPr>
+          </p:pic>
+          <p:pic>
+            <p:nvPicPr>
+              <p:cNvPr id="46" name="Kép 45"/>
+              <p:cNvPicPr>
+                <a:picLocks noChangeAspect="1"/>
+              </p:cNvPicPr>
+              <p:nvPr/>
+            </p:nvPicPr>
+            <p:blipFill>
+              <a:blip r:embed="rId5" cstate="hqprint">
+                <a:extLst>
+                  <a:ext uri="{28A0092B-C50C-407E-A947-70E740481C1C}">
+                    <a14:useLocalDpi xmlns:a14="http://schemas.microsoft.com/office/drawing/2010/main" val="0"/>
+                  </a:ext>
+                </a:extLst>
+              </a:blip>
+              <a:stretch>
+                <a:fillRect/>
+              </a:stretch>
+            </p:blipFill>
+            <p:spPr>
+              <a:xfrm>
+                <a:off x="35033379" y="14658089"/>
+                <a:ext cx="14942551" cy="12761112"/>
+              </a:xfrm>
+              <a:prstGeom prst="rect">
+                <a:avLst/>
+              </a:prstGeom>
+            </p:spPr>
+          </p:pic>
+        </p:grpSp>
+        <p:sp>
+          <p:nvSpPr>
+            <p:cNvPr id="48" name="Szövegdoboz 47"/>
+            <p:cNvSpPr txBox="1"/>
+            <p:nvPr/>
+          </p:nvSpPr>
+          <p:spPr>
+            <a:xfrm>
+              <a:off x="39587247" y="20245191"/>
+              <a:ext cx="5700640" cy="523220"/>
+            </a:xfrm>
+            <a:prstGeom prst="rect">
+              <a:avLst/>
+            </a:prstGeom>
+            <a:noFill/>
+          </p:spPr>
+          <p:txBody>
+            <a:bodyPr wrap="square" rtlCol="0">
+              <a:spAutoFit/>
+            </a:bodyPr>
+            <a:lstStyle/>
+            <a:p>
+              <a:pPr algn="ctr"/>
+              <a:r>
+                <a:rPr lang="hu-HU" sz="2800" dirty="0" err="1" smtClean="0">
+                  <a:solidFill>
+                    <a:schemeClr val="bg1"/>
+                  </a:solidFill>
+                  <a:latin typeface="Montserrat" panose="00000500000000000000" pitchFamily="2" charset="-18"/>
+                </a:rPr>
+                <a:t>short</a:t>
+              </a:r>
+              <a:r>
+                <a:rPr lang="hu-HU" sz="2800" dirty="0" smtClean="0">
+                  <a:solidFill>
+                    <a:schemeClr val="bg1"/>
+                  </a:solidFill>
+                  <a:latin typeface="Montserrat" panose="00000500000000000000" pitchFamily="2" charset="-18"/>
+                </a:rPr>
+                <a:t> </a:t>
+              </a:r>
+              <a:r>
+                <a:rPr lang="hu-HU" sz="2800" dirty="0" err="1" smtClean="0">
+                  <a:solidFill>
+                    <a:schemeClr val="bg1"/>
+                  </a:solidFill>
+                  <a:latin typeface="Montserrat" panose="00000500000000000000" pitchFamily="2" charset="-18"/>
+                </a:rPr>
+                <a:t>term</a:t>
+              </a:r>
+              <a:r>
+                <a:rPr lang="hu-HU" sz="2800" dirty="0" smtClean="0">
+                  <a:solidFill>
+                    <a:schemeClr val="bg1"/>
+                  </a:solidFill>
+                  <a:latin typeface="Montserrat" panose="00000500000000000000" pitchFamily="2" charset="-18"/>
+                </a:rPr>
+                <a:t> </a:t>
+              </a:r>
+              <a:r>
+                <a:rPr lang="hu-HU" sz="2800" dirty="0" err="1" smtClean="0">
+                  <a:solidFill>
+                    <a:schemeClr val="bg1"/>
+                  </a:solidFill>
+                  <a:latin typeface="Montserrat" panose="00000500000000000000" pitchFamily="2" charset="-18"/>
+                </a:rPr>
+                <a:t>memory</a:t>
+              </a:r>
+              <a:endParaRPr lang="hu-HU" sz="2800" dirty="0">
+                <a:solidFill>
+                  <a:schemeClr val="bg1"/>
+                </a:solidFill>
+                <a:latin typeface="Montserrat" panose="00000500000000000000" pitchFamily="2" charset="-18"/>
+              </a:endParaRPr>
+            </a:p>
+          </p:txBody>
+        </p:sp>
+        <p:sp>
+          <p:nvSpPr>
+            <p:cNvPr id="49" name="Szövegdoboz 48"/>
+            <p:cNvSpPr txBox="1"/>
+            <p:nvPr/>
+          </p:nvSpPr>
+          <p:spPr>
+            <a:xfrm>
+              <a:off x="44738562" y="17602276"/>
+              <a:ext cx="2729240" cy="954107"/>
+            </a:xfrm>
+            <a:prstGeom prst="rect">
+              <a:avLst/>
+            </a:prstGeom>
+            <a:noFill/>
+          </p:spPr>
+          <p:txBody>
+            <a:bodyPr wrap="square" rtlCol="0">
+              <a:spAutoFit/>
+            </a:bodyPr>
+            <a:lstStyle/>
+            <a:p>
+              <a:pPr algn="ctr"/>
+              <a:r>
+                <a:rPr lang="hu-HU" sz="2800" dirty="0" err="1" smtClean="0">
+                  <a:solidFill>
+                    <a:schemeClr val="bg1"/>
+                  </a:solidFill>
+                  <a:latin typeface="Montserrat" panose="00000500000000000000" pitchFamily="2" charset="-18"/>
+                </a:rPr>
+                <a:t>statistical</a:t>
+              </a:r>
+              <a:r>
+                <a:rPr lang="hu-HU" sz="2800" dirty="0" smtClean="0">
+                  <a:solidFill>
+                    <a:schemeClr val="bg1"/>
+                  </a:solidFill>
+                  <a:latin typeface="Montserrat" panose="00000500000000000000" pitchFamily="2" charset="-18"/>
+                </a:rPr>
+                <a:t> </a:t>
+              </a:r>
+              <a:r>
+                <a:rPr lang="hu-HU" sz="2800" dirty="0" err="1" smtClean="0">
+                  <a:solidFill>
+                    <a:schemeClr val="bg1"/>
+                  </a:solidFill>
+                  <a:latin typeface="Montserrat" panose="00000500000000000000" pitchFamily="2" charset="-18"/>
+                </a:rPr>
+                <a:t>learning</a:t>
+              </a:r>
+              <a:endParaRPr lang="hu-HU" sz="2800" dirty="0">
+                <a:solidFill>
+                  <a:schemeClr val="bg1"/>
+                </a:solidFill>
+                <a:latin typeface="Montserrat" panose="00000500000000000000" pitchFamily="2" charset="-18"/>
+              </a:endParaRPr>
+            </a:p>
+          </p:txBody>
+        </p:sp>
+        <p:sp>
+          <p:nvSpPr>
+            <p:cNvPr id="50" name="Szövegdoboz 49"/>
+            <p:cNvSpPr txBox="1"/>
+            <p:nvPr/>
+          </p:nvSpPr>
+          <p:spPr>
+            <a:xfrm>
+              <a:off x="48035166" y="20536238"/>
+              <a:ext cx="2883852" cy="954107"/>
+            </a:xfrm>
+            <a:prstGeom prst="rect">
+              <a:avLst/>
+            </a:prstGeom>
+            <a:noFill/>
+          </p:spPr>
+          <p:txBody>
+            <a:bodyPr wrap="square" rtlCol="0">
+              <a:spAutoFit/>
+            </a:bodyPr>
+            <a:lstStyle/>
+            <a:p>
+              <a:pPr algn="ctr"/>
+              <a:r>
+                <a:rPr lang="hu-HU" sz="2800" dirty="0" err="1" smtClean="0">
+                  <a:solidFill>
+                    <a:schemeClr val="bg1"/>
+                  </a:solidFill>
+                  <a:latin typeface="Montserrat" panose="00000500000000000000" pitchFamily="2" charset="-18"/>
+                </a:rPr>
+                <a:t>cognitive</a:t>
+              </a:r>
+              <a:r>
+                <a:rPr lang="hu-HU" sz="2800" dirty="0" smtClean="0">
+                  <a:solidFill>
+                    <a:schemeClr val="bg1"/>
+                  </a:solidFill>
+                  <a:latin typeface="Montserrat" panose="00000500000000000000" pitchFamily="2" charset="-18"/>
+                </a:rPr>
+                <a:t> </a:t>
+              </a:r>
+              <a:r>
+                <a:rPr lang="hu-HU" sz="2800" dirty="0" err="1" smtClean="0">
+                  <a:solidFill>
+                    <a:schemeClr val="bg1"/>
+                  </a:solidFill>
+                  <a:latin typeface="Montserrat" panose="00000500000000000000" pitchFamily="2" charset="-18"/>
+                </a:rPr>
+                <a:t>control</a:t>
+              </a:r>
+              <a:endParaRPr lang="hu-HU" sz="2800" dirty="0">
+                <a:solidFill>
+                  <a:schemeClr val="bg1"/>
+                </a:solidFill>
+                <a:latin typeface="Montserrat" panose="00000500000000000000" pitchFamily="2" charset="-18"/>
+              </a:endParaRPr>
+            </a:p>
+          </p:txBody>
+        </p:sp>
+        <p:sp>
+          <p:nvSpPr>
+            <p:cNvPr id="51" name="Szövegdoboz 50"/>
+            <p:cNvSpPr txBox="1"/>
+            <p:nvPr/>
+          </p:nvSpPr>
+          <p:spPr>
+            <a:xfrm>
+              <a:off x="46291843" y="23470199"/>
+              <a:ext cx="2941436" cy="954107"/>
+            </a:xfrm>
+            <a:prstGeom prst="rect">
+              <a:avLst/>
+            </a:prstGeom>
+            <a:noFill/>
+          </p:spPr>
+          <p:txBody>
+            <a:bodyPr wrap="square" rtlCol="0">
+              <a:spAutoFit/>
+            </a:bodyPr>
+            <a:lstStyle/>
+            <a:p>
+              <a:pPr algn="ctr"/>
+              <a:r>
+                <a:rPr lang="hu-HU" sz="2800" dirty="0" err="1" smtClean="0">
+                  <a:solidFill>
+                    <a:schemeClr val="bg1"/>
+                  </a:solidFill>
+                  <a:latin typeface="Montserrat" panose="00000500000000000000" pitchFamily="2" charset="-18"/>
+                </a:rPr>
+                <a:t>working</a:t>
+              </a:r>
+              <a:r>
+                <a:rPr lang="hu-HU" sz="2800" dirty="0" smtClean="0">
+                  <a:solidFill>
+                    <a:schemeClr val="bg1"/>
+                  </a:solidFill>
+                  <a:latin typeface="Montserrat" panose="00000500000000000000" pitchFamily="2" charset="-18"/>
+                </a:rPr>
+                <a:t> </a:t>
+              </a:r>
+              <a:r>
+                <a:rPr lang="hu-HU" sz="2800" dirty="0" err="1" smtClean="0">
+                  <a:solidFill>
+                    <a:schemeClr val="bg1"/>
+                  </a:solidFill>
+                  <a:latin typeface="Montserrat" panose="00000500000000000000" pitchFamily="2" charset="-18"/>
+                </a:rPr>
+                <a:t>memory</a:t>
+              </a:r>
+              <a:endParaRPr lang="hu-HU" sz="2800" dirty="0">
+                <a:solidFill>
+                  <a:schemeClr val="bg1"/>
+                </a:solidFill>
+                <a:latin typeface="Montserrat" panose="00000500000000000000" pitchFamily="2" charset="-18"/>
+              </a:endParaRPr>
+            </a:p>
+          </p:txBody>
+        </p:sp>
+      </p:grpSp>
+      <p:sp>
+        <p:nvSpPr>
+          <p:cNvPr id="53" name="Szövegdoboz 52"/>
+          <p:cNvSpPr txBox="1"/>
+          <p:nvPr/>
+        </p:nvSpPr>
+        <p:spPr>
+          <a:xfrm>
+            <a:off x="3922713" y="31281593"/>
+            <a:ext cx="9774238" cy="583558"/>
+          </a:xfrm>
+          <a:prstGeom prst="rect">
+            <a:avLst/>
+          </a:prstGeom>
+          <a:noFill/>
+        </p:spPr>
+        <p:txBody>
+          <a:bodyPr wrap="square" rtlCol="0">
+            <a:spAutoFit/>
+          </a:bodyPr>
+          <a:lstStyle/>
+          <a:p>
+            <a:pPr>
+              <a:lnSpc>
+                <a:spcPct val="114000"/>
+              </a:lnSpc>
+              <a:spcAft>
+                <a:spcPts val="2400"/>
+              </a:spcAft>
+              <a:buClr>
+                <a:srgbClr val="53A394"/>
+              </a:buClr>
+              <a:buSzPct val="100000"/>
+            </a:pPr>
+            <a:r>
+              <a:rPr lang="hu-HU" sz="2800" dirty="0" err="1" smtClean="0">
+                <a:latin typeface="Montserrat" panose="00000500000000000000" pitchFamily="2" charset="-18"/>
+                <a:ea typeface="Roboto" panose="02000000000000000000" pitchFamily="2" charset="0"/>
+              </a:rPr>
+              <a:t>reliability</a:t>
+            </a:r>
+            <a:r>
+              <a:rPr lang="hu-HU" sz="2800" dirty="0" smtClean="0">
+                <a:latin typeface="Montserrat" panose="00000500000000000000" pitchFamily="2" charset="-18"/>
+                <a:ea typeface="Roboto" panose="02000000000000000000" pitchFamily="2" charset="0"/>
+              </a:rPr>
+              <a:t> </a:t>
+            </a:r>
+            <a:r>
+              <a:rPr lang="hu-HU" sz="2800" dirty="0" err="1" smtClean="0">
+                <a:latin typeface="Montserrat" panose="00000500000000000000" pitchFamily="2" charset="-18"/>
+                <a:ea typeface="Roboto" panose="02000000000000000000" pitchFamily="2" charset="0"/>
+              </a:rPr>
+              <a:t>analysis</a:t>
+            </a:r>
+            <a:r>
+              <a:rPr lang="hu-HU" sz="2800" dirty="0" smtClean="0">
+                <a:latin typeface="Montserrat" panose="00000500000000000000" pitchFamily="2" charset="-18"/>
+                <a:ea typeface="Roboto" panose="02000000000000000000" pitchFamily="2" charset="0"/>
+              </a:rPr>
+              <a:t> of </a:t>
+            </a:r>
+            <a:r>
+              <a:rPr lang="hu-HU" sz="2800" dirty="0" err="1" smtClean="0">
+                <a:latin typeface="Montserrat" panose="00000500000000000000" pitchFamily="2" charset="-18"/>
+                <a:ea typeface="Roboto" panose="02000000000000000000" pitchFamily="2" charset="0"/>
+              </a:rPr>
+              <a:t>task</a:t>
+            </a:r>
+            <a:r>
+              <a:rPr lang="hu-HU" sz="2800" dirty="0" smtClean="0">
+                <a:latin typeface="Montserrat" panose="00000500000000000000" pitchFamily="2" charset="-18"/>
+                <a:ea typeface="Roboto" panose="02000000000000000000" pitchFamily="2" charset="0"/>
+              </a:rPr>
+              <a:t> </a:t>
+            </a:r>
+            <a:r>
+              <a:rPr lang="hu-HU" sz="2800" dirty="0" err="1" smtClean="0">
+                <a:latin typeface="Montserrat" panose="00000500000000000000" pitchFamily="2" charset="-18"/>
+                <a:ea typeface="Roboto" panose="02000000000000000000" pitchFamily="2" charset="0"/>
+              </a:rPr>
+              <a:t>indices</a:t>
+            </a:r>
+            <a:endParaRPr lang="hu-HU" sz="2800" dirty="0" smtClean="0">
+              <a:latin typeface="Montserrat" panose="00000500000000000000" pitchFamily="2" charset="-18"/>
+              <a:ea typeface="Roboto" panose="02000000000000000000" pitchFamily="2" charset="0"/>
+            </a:endParaRPr>
+          </a:p>
+        </p:txBody>
+      </p:sp>
+      <p:sp>
+        <p:nvSpPr>
+          <p:cNvPr id="54" name="Szövegdoboz 53"/>
+          <p:cNvSpPr txBox="1"/>
+          <p:nvPr/>
+        </p:nvSpPr>
+        <p:spPr>
+          <a:xfrm>
+            <a:off x="3922713" y="33472764"/>
+            <a:ext cx="9774238" cy="583558"/>
+          </a:xfrm>
+          <a:prstGeom prst="rect">
+            <a:avLst/>
+          </a:prstGeom>
+          <a:noFill/>
+        </p:spPr>
+        <p:txBody>
+          <a:bodyPr wrap="square" rtlCol="0">
+            <a:spAutoFit/>
+          </a:bodyPr>
+          <a:lstStyle/>
+          <a:p>
+            <a:pPr>
+              <a:lnSpc>
+                <a:spcPct val="114000"/>
+              </a:lnSpc>
+              <a:spcAft>
+                <a:spcPts val="2400"/>
+              </a:spcAft>
+              <a:buClr>
+                <a:srgbClr val="53A394"/>
+              </a:buClr>
+              <a:buSzPct val="100000"/>
+            </a:pPr>
+            <a:r>
+              <a:rPr lang="hu-HU" sz="2800" dirty="0" err="1" smtClean="0">
+                <a:latin typeface="Montserrat" panose="00000500000000000000" pitchFamily="2" charset="-18"/>
+                <a:ea typeface="Roboto" panose="02000000000000000000" pitchFamily="2" charset="0"/>
+              </a:rPr>
+              <a:t>exploratory</a:t>
+            </a:r>
+            <a:r>
+              <a:rPr lang="hu-HU" sz="2800" dirty="0" smtClean="0">
+                <a:latin typeface="Montserrat" panose="00000500000000000000" pitchFamily="2" charset="-18"/>
+                <a:ea typeface="Roboto" panose="02000000000000000000" pitchFamily="2" charset="0"/>
+              </a:rPr>
+              <a:t> </a:t>
+            </a:r>
+            <a:r>
+              <a:rPr lang="hu-HU" sz="2800" dirty="0" err="1" smtClean="0">
+                <a:latin typeface="Montserrat" panose="00000500000000000000" pitchFamily="2" charset="-18"/>
+                <a:ea typeface="Roboto" panose="02000000000000000000" pitchFamily="2" charset="0"/>
+              </a:rPr>
+              <a:t>factor</a:t>
+            </a:r>
+            <a:r>
+              <a:rPr lang="hu-HU" sz="2800" dirty="0" smtClean="0">
+                <a:latin typeface="Montserrat" panose="00000500000000000000" pitchFamily="2" charset="-18"/>
+                <a:ea typeface="Roboto" panose="02000000000000000000" pitchFamily="2" charset="0"/>
+              </a:rPr>
+              <a:t> </a:t>
+            </a:r>
+            <a:r>
+              <a:rPr lang="hu-HU" sz="2800" dirty="0" err="1" smtClean="0">
+                <a:latin typeface="Montserrat" panose="00000500000000000000" pitchFamily="2" charset="-18"/>
+                <a:ea typeface="Roboto" panose="02000000000000000000" pitchFamily="2" charset="0"/>
+              </a:rPr>
+              <a:t>analysis</a:t>
+            </a:r>
+            <a:r>
+              <a:rPr lang="hu-HU" sz="2800" dirty="0" smtClean="0">
+                <a:latin typeface="Montserrat" panose="00000500000000000000" pitchFamily="2" charset="-18"/>
+                <a:ea typeface="Roboto" panose="02000000000000000000" pitchFamily="2" charset="0"/>
+              </a:rPr>
+              <a:t> </a:t>
+            </a:r>
+            <a:endParaRPr lang="hu-HU" sz="2800" dirty="0" smtClean="0">
+              <a:latin typeface="Montserrat" panose="00000500000000000000" pitchFamily="2" charset="-18"/>
+              <a:ea typeface="Roboto" panose="02000000000000000000" pitchFamily="2" charset="0"/>
+            </a:endParaRPr>
+          </a:p>
+        </p:txBody>
+      </p:sp>
+      <p:sp>
+        <p:nvSpPr>
+          <p:cNvPr id="55" name="Szövegdoboz 54"/>
+          <p:cNvSpPr txBox="1"/>
+          <p:nvPr/>
+        </p:nvSpPr>
+        <p:spPr>
+          <a:xfrm>
+            <a:off x="3922712" y="35331788"/>
+            <a:ext cx="7011988" cy="1074781"/>
+          </a:xfrm>
+          <a:prstGeom prst="rect">
+            <a:avLst/>
+          </a:prstGeom>
+          <a:noFill/>
+        </p:spPr>
+        <p:txBody>
+          <a:bodyPr wrap="square" rtlCol="0">
+            <a:spAutoFit/>
+          </a:bodyPr>
+          <a:lstStyle/>
+          <a:p>
+            <a:pPr>
+              <a:lnSpc>
+                <a:spcPct val="114000"/>
+              </a:lnSpc>
+              <a:spcAft>
+                <a:spcPts val="2400"/>
+              </a:spcAft>
+              <a:buClr>
+                <a:srgbClr val="53A394"/>
+              </a:buClr>
+              <a:buSzPct val="100000"/>
+            </a:pPr>
+            <a:r>
+              <a:rPr lang="hu-HU" sz="2800" dirty="0" err="1" smtClean="0">
+                <a:latin typeface="Montserrat" panose="00000500000000000000" pitchFamily="2" charset="-18"/>
+                <a:ea typeface="Roboto" panose="02000000000000000000" pitchFamily="2" charset="0"/>
+              </a:rPr>
+              <a:t>structural</a:t>
+            </a:r>
+            <a:r>
+              <a:rPr lang="hu-HU" sz="2800" dirty="0" smtClean="0">
+                <a:latin typeface="Montserrat" panose="00000500000000000000" pitchFamily="2" charset="-18"/>
+                <a:ea typeface="Roboto" panose="02000000000000000000" pitchFamily="2" charset="0"/>
+              </a:rPr>
+              <a:t> </a:t>
+            </a:r>
+            <a:r>
+              <a:rPr lang="hu-HU" sz="2800" dirty="0" err="1" smtClean="0">
+                <a:latin typeface="Montserrat" panose="00000500000000000000" pitchFamily="2" charset="-18"/>
+                <a:ea typeface="Roboto" panose="02000000000000000000" pitchFamily="2" charset="0"/>
+              </a:rPr>
+              <a:t>equation</a:t>
+            </a:r>
+            <a:r>
+              <a:rPr lang="hu-HU" sz="2800" dirty="0" smtClean="0">
+                <a:latin typeface="Montserrat" panose="00000500000000000000" pitchFamily="2" charset="-18"/>
+                <a:ea typeface="Roboto" panose="02000000000000000000" pitchFamily="2" charset="0"/>
+              </a:rPr>
+              <a:t> </a:t>
+            </a:r>
+            <a:r>
+              <a:rPr lang="hu-HU" sz="2800" dirty="0" err="1" smtClean="0">
+                <a:latin typeface="Montserrat" panose="00000500000000000000" pitchFamily="2" charset="-18"/>
+                <a:ea typeface="Roboto" panose="02000000000000000000" pitchFamily="2" charset="0"/>
+              </a:rPr>
+              <a:t>modeling</a:t>
+            </a:r>
+            <a:r>
+              <a:rPr lang="hu-HU" sz="2800" dirty="0" smtClean="0">
+                <a:latin typeface="Montserrat" panose="00000500000000000000" pitchFamily="2" charset="-18"/>
+                <a:ea typeface="Roboto" panose="02000000000000000000" pitchFamily="2" charset="0"/>
+              </a:rPr>
+              <a:t> </a:t>
+            </a:r>
+            <a:r>
+              <a:rPr lang="hu-HU" sz="2800" dirty="0" err="1" smtClean="0">
+                <a:latin typeface="Montserrat" panose="00000500000000000000" pitchFamily="2" charset="-18"/>
+                <a:ea typeface="Roboto" panose="02000000000000000000" pitchFamily="2" charset="0"/>
+              </a:rPr>
+              <a:t>based</a:t>
+            </a:r>
+            <a:r>
+              <a:rPr lang="hu-HU" sz="2800" dirty="0" smtClean="0">
+                <a:latin typeface="Montserrat" panose="00000500000000000000" pitchFamily="2" charset="-18"/>
+                <a:ea typeface="Roboto" panose="02000000000000000000" pitchFamily="2" charset="0"/>
+              </a:rPr>
+              <a:t> </a:t>
+            </a:r>
+            <a:r>
+              <a:rPr lang="hu-HU" sz="2800" dirty="0" err="1" smtClean="0">
+                <a:latin typeface="Montserrat" panose="00000500000000000000" pitchFamily="2" charset="-18"/>
+                <a:ea typeface="Roboto" panose="02000000000000000000" pitchFamily="2" charset="0"/>
+              </a:rPr>
+              <a:t>on</a:t>
+            </a:r>
+            <a:r>
+              <a:rPr lang="hu-HU" sz="2800" dirty="0" smtClean="0">
+                <a:latin typeface="Montserrat" panose="00000500000000000000" pitchFamily="2" charset="-18"/>
+                <a:ea typeface="Roboto" panose="02000000000000000000" pitchFamily="2" charset="0"/>
+              </a:rPr>
+              <a:t> </a:t>
+            </a:r>
+            <a:r>
+              <a:rPr lang="hu-HU" sz="2800" dirty="0" err="1" smtClean="0">
+                <a:latin typeface="Montserrat" panose="00000500000000000000" pitchFamily="2" charset="-18"/>
+                <a:ea typeface="Roboto" panose="02000000000000000000" pitchFamily="2" charset="0"/>
+              </a:rPr>
+              <a:t>indices</a:t>
+            </a:r>
+            <a:endParaRPr lang="hu-HU" sz="2800" dirty="0" smtClean="0">
+              <a:latin typeface="Montserrat" panose="00000500000000000000" pitchFamily="2" charset="-18"/>
+              <a:ea typeface="Roboto" panose="02000000000000000000" pitchFamily="2" charset="0"/>
+            </a:endParaRPr>
+          </a:p>
+        </p:txBody>
+      </p:sp>
+      <p:pic>
+        <p:nvPicPr>
+          <p:cNvPr id="56" name="Kép 55"/>
+          <p:cNvPicPr/>
+          <p:nvPr/>
+        </p:nvPicPr>
+        <p:blipFill>
+          <a:blip r:embed="rId6"/>
+          <a:stretch>
+            <a:fillRect/>
+          </a:stretch>
+        </p:blipFill>
+        <p:spPr>
+          <a:xfrm>
+            <a:off x="-17117217" y="22623569"/>
+            <a:ext cx="15522102" cy="6660222"/>
+          </a:xfrm>
+          <a:prstGeom prst="rect">
+            <a:avLst/>
+          </a:prstGeom>
+        </p:spPr>
+      </p:pic>
+      <p:sp>
+        <p:nvSpPr>
+          <p:cNvPr id="57" name="Téglalap 56"/>
+          <p:cNvSpPr/>
+          <p:nvPr/>
+        </p:nvSpPr>
+        <p:spPr>
+          <a:xfrm>
+            <a:off x="2031672" y="23078944"/>
+            <a:ext cx="3789662" cy="6879411"/>
+          </a:xfrm>
+          <a:prstGeom prst="rect">
+            <a:avLst/>
+          </a:prstGeom>
+          <a:solidFill>
+            <a:srgbClr val="AFA49F"/>
+          </a:solidFill>
+          <a:ln>
+            <a:noFill/>
+          </a:ln>
+        </p:spPr>
+        <p:style>
+          <a:lnRef idx="2">
+            <a:schemeClr val="accent1">
+              <a:shade val="50000"/>
+            </a:schemeClr>
+          </a:lnRef>
+          <a:fillRef idx="1">
+            <a:schemeClr val="accent1"/>
+          </a:fillRef>
+          <a:effectRef idx="0">
+            <a:schemeClr val="accent1"/>
+          </a:effectRef>
+          <a:fontRef idx="minor">
+            <a:schemeClr val="lt1"/>
+          </a:fontRef>
+        </p:style>
+        <p:txBody>
+          <a:bodyPr rtlCol="0" anchor="ctr"/>
+          <a:lstStyle/>
+          <a:p>
+            <a:pPr algn="ctr"/>
+            <a:endParaRPr lang="hu-HU" sz="2800"/>
+          </a:p>
+        </p:txBody>
+      </p:sp>
+      <p:sp>
+        <p:nvSpPr>
+          <p:cNvPr id="58" name="Téglalap 57"/>
+          <p:cNvSpPr/>
+          <p:nvPr/>
+        </p:nvSpPr>
+        <p:spPr>
+          <a:xfrm>
+            <a:off x="6228936" y="23078944"/>
+            <a:ext cx="3789662" cy="6879411"/>
+          </a:xfrm>
+          <a:prstGeom prst="rect">
+            <a:avLst/>
+          </a:prstGeom>
+          <a:solidFill>
+            <a:srgbClr val="AFA49F"/>
+          </a:solidFill>
+          <a:ln>
+            <a:noFill/>
+          </a:ln>
+        </p:spPr>
+        <p:style>
+          <a:lnRef idx="2">
+            <a:schemeClr val="accent1">
+              <a:shade val="50000"/>
+            </a:schemeClr>
+          </a:lnRef>
+          <a:fillRef idx="1">
+            <a:schemeClr val="accent1"/>
+          </a:fillRef>
+          <a:effectRef idx="0">
+            <a:schemeClr val="accent1"/>
+          </a:effectRef>
+          <a:fontRef idx="minor">
+            <a:schemeClr val="lt1"/>
+          </a:fontRef>
+        </p:style>
+        <p:txBody>
+          <a:bodyPr rtlCol="0" anchor="ctr"/>
+          <a:lstStyle/>
+          <a:p>
+            <a:pPr algn="ctr"/>
+            <a:endParaRPr lang="hu-HU" sz="2800"/>
+          </a:p>
+        </p:txBody>
+      </p:sp>
+      <p:sp>
+        <p:nvSpPr>
+          <p:cNvPr id="59" name="Téglalap 58"/>
+          <p:cNvSpPr/>
+          <p:nvPr/>
+        </p:nvSpPr>
+        <p:spPr>
+          <a:xfrm>
+            <a:off x="10426200" y="23078944"/>
+            <a:ext cx="3789662" cy="6879411"/>
+          </a:xfrm>
+          <a:prstGeom prst="rect">
+            <a:avLst/>
+          </a:prstGeom>
+          <a:solidFill>
+            <a:srgbClr val="AFA49F"/>
+          </a:solidFill>
+          <a:ln>
+            <a:noFill/>
+          </a:ln>
+        </p:spPr>
+        <p:style>
+          <a:lnRef idx="2">
+            <a:schemeClr val="accent1">
+              <a:shade val="50000"/>
+            </a:schemeClr>
+          </a:lnRef>
+          <a:fillRef idx="1">
+            <a:schemeClr val="accent1"/>
+          </a:fillRef>
+          <a:effectRef idx="0">
+            <a:schemeClr val="accent1"/>
+          </a:effectRef>
+          <a:fontRef idx="minor">
+            <a:schemeClr val="lt1"/>
+          </a:fontRef>
+        </p:style>
+        <p:txBody>
+          <a:bodyPr rtlCol="0" anchor="ctr"/>
+          <a:lstStyle/>
+          <a:p>
+            <a:pPr algn="ctr"/>
+            <a:endParaRPr lang="hu-HU" sz="2800"/>
+          </a:p>
+        </p:txBody>
+      </p:sp>
+      <p:sp>
+        <p:nvSpPr>
+          <p:cNvPr id="61" name="Szövegdoboz 60"/>
+          <p:cNvSpPr txBox="1"/>
+          <p:nvPr/>
+        </p:nvSpPr>
+        <p:spPr>
+          <a:xfrm>
+            <a:off x="2165648" y="23146902"/>
+            <a:ext cx="3514128" cy="1074781"/>
+          </a:xfrm>
+          <a:prstGeom prst="rect">
+            <a:avLst/>
+          </a:prstGeom>
+          <a:noFill/>
+        </p:spPr>
+        <p:txBody>
+          <a:bodyPr wrap="square" rtlCol="0">
+            <a:spAutoFit/>
+          </a:bodyPr>
+          <a:lstStyle/>
+          <a:p>
+            <a:pPr>
+              <a:lnSpc>
+                <a:spcPct val="114000"/>
+              </a:lnSpc>
+              <a:spcAft>
+                <a:spcPts val="2400"/>
+              </a:spcAft>
+              <a:buClr>
+                <a:srgbClr val="53A394"/>
+              </a:buClr>
+              <a:buSzPct val="100000"/>
+            </a:pPr>
+            <a:r>
+              <a:rPr lang="hu-HU" sz="2800" dirty="0" err="1" smtClean="0">
+                <a:solidFill>
+                  <a:schemeClr val="bg1"/>
+                </a:solidFill>
+                <a:latin typeface="Montserrat" panose="00000500000000000000" pitchFamily="2" charset="-18"/>
+                <a:ea typeface="Roboto" panose="02000000000000000000" pitchFamily="2" charset="0"/>
+              </a:rPr>
+              <a:t>statistical</a:t>
+            </a:r>
+            <a:r>
+              <a:rPr lang="hu-HU" sz="2800" dirty="0" smtClean="0">
+                <a:solidFill>
+                  <a:schemeClr val="bg1"/>
+                </a:solidFill>
+                <a:latin typeface="Montserrat" panose="00000500000000000000" pitchFamily="2" charset="-18"/>
+                <a:ea typeface="Roboto" panose="02000000000000000000" pitchFamily="2" charset="0"/>
+              </a:rPr>
+              <a:t> </a:t>
+            </a:r>
+            <a:r>
+              <a:rPr lang="hu-HU" sz="2800" dirty="0" err="1" smtClean="0">
+                <a:solidFill>
+                  <a:schemeClr val="bg1"/>
+                </a:solidFill>
+                <a:latin typeface="Montserrat" panose="00000500000000000000" pitchFamily="2" charset="-18"/>
+                <a:ea typeface="Roboto" panose="02000000000000000000" pitchFamily="2" charset="0"/>
+              </a:rPr>
+              <a:t>learning</a:t>
+            </a:r>
+            <a:r>
+              <a:rPr lang="hu-HU" sz="2800" dirty="0" smtClean="0">
+                <a:solidFill>
+                  <a:schemeClr val="bg1"/>
+                </a:solidFill>
+                <a:latin typeface="Montserrat" panose="00000500000000000000" pitchFamily="2" charset="-18"/>
+                <a:ea typeface="Roboto" panose="02000000000000000000" pitchFamily="2" charset="0"/>
+              </a:rPr>
+              <a:t> </a:t>
+            </a:r>
+            <a:r>
+              <a:rPr lang="hu-HU" sz="2800" dirty="0" err="1" smtClean="0">
+                <a:solidFill>
+                  <a:schemeClr val="bg1"/>
+                </a:solidFill>
+                <a:latin typeface="Montserrat" panose="00000500000000000000" pitchFamily="2" charset="-18"/>
+                <a:ea typeface="Roboto" panose="02000000000000000000" pitchFamily="2" charset="0"/>
+              </a:rPr>
+              <a:t>tasks</a:t>
+            </a:r>
+            <a:endParaRPr lang="hu-HU" sz="2800" dirty="0" smtClean="0">
+              <a:solidFill>
+                <a:schemeClr val="bg1"/>
+              </a:solidFill>
+              <a:latin typeface="Montserrat" panose="00000500000000000000" pitchFamily="2" charset="-18"/>
+              <a:ea typeface="Roboto" panose="02000000000000000000" pitchFamily="2" charset="0"/>
+            </a:endParaRPr>
+          </a:p>
+        </p:txBody>
+      </p:sp>
+      <p:sp>
+        <p:nvSpPr>
+          <p:cNvPr id="62" name="Szövegdoboz 61"/>
+          <p:cNvSpPr txBox="1"/>
+          <p:nvPr/>
+        </p:nvSpPr>
+        <p:spPr>
+          <a:xfrm>
+            <a:off x="6366703" y="23146902"/>
+            <a:ext cx="3514128" cy="1074781"/>
+          </a:xfrm>
+          <a:prstGeom prst="rect">
+            <a:avLst/>
+          </a:prstGeom>
+          <a:noFill/>
+        </p:spPr>
+        <p:txBody>
+          <a:bodyPr wrap="square" rtlCol="0">
+            <a:spAutoFit/>
+          </a:bodyPr>
+          <a:lstStyle/>
+          <a:p>
+            <a:pPr>
+              <a:lnSpc>
+                <a:spcPct val="114000"/>
+              </a:lnSpc>
+              <a:spcAft>
+                <a:spcPts val="2400"/>
+              </a:spcAft>
+              <a:buClr>
+                <a:srgbClr val="53A394"/>
+              </a:buClr>
+              <a:buSzPct val="100000"/>
+            </a:pPr>
+            <a:r>
+              <a:rPr lang="hu-HU" sz="2800" dirty="0" err="1" smtClean="0">
+                <a:solidFill>
+                  <a:schemeClr val="bg1"/>
+                </a:solidFill>
+                <a:latin typeface="Montserrat" panose="00000500000000000000" pitchFamily="2" charset="-18"/>
+                <a:ea typeface="Roboto" panose="02000000000000000000" pitchFamily="2" charset="0"/>
+              </a:rPr>
+              <a:t>nonlinguistic</a:t>
+            </a:r>
+            <a:r>
+              <a:rPr lang="hu-HU" sz="2800" dirty="0" smtClean="0">
+                <a:solidFill>
+                  <a:schemeClr val="bg1"/>
+                </a:solidFill>
+                <a:latin typeface="Montserrat" panose="00000500000000000000" pitchFamily="2" charset="-18"/>
+                <a:ea typeface="Roboto" panose="02000000000000000000" pitchFamily="2" charset="0"/>
+              </a:rPr>
+              <a:t> </a:t>
+            </a:r>
+            <a:r>
+              <a:rPr lang="hu-HU" sz="2800" dirty="0" err="1" smtClean="0">
+                <a:solidFill>
+                  <a:schemeClr val="bg1"/>
+                </a:solidFill>
+                <a:latin typeface="Montserrat" panose="00000500000000000000" pitchFamily="2" charset="-18"/>
+                <a:ea typeface="Roboto" panose="02000000000000000000" pitchFamily="2" charset="0"/>
+              </a:rPr>
+              <a:t>cognitive</a:t>
+            </a:r>
+            <a:r>
+              <a:rPr lang="hu-HU" sz="2800" dirty="0" smtClean="0">
+                <a:solidFill>
+                  <a:schemeClr val="bg1"/>
+                </a:solidFill>
+                <a:latin typeface="Montserrat" panose="00000500000000000000" pitchFamily="2" charset="-18"/>
+                <a:ea typeface="Roboto" panose="02000000000000000000" pitchFamily="2" charset="0"/>
+              </a:rPr>
+              <a:t> </a:t>
+            </a:r>
+            <a:r>
+              <a:rPr lang="hu-HU" sz="2800" dirty="0" err="1" smtClean="0">
+                <a:solidFill>
+                  <a:schemeClr val="bg1"/>
+                </a:solidFill>
+                <a:latin typeface="Montserrat" panose="00000500000000000000" pitchFamily="2" charset="-18"/>
+                <a:ea typeface="Roboto" panose="02000000000000000000" pitchFamily="2" charset="0"/>
+              </a:rPr>
+              <a:t>tasks</a:t>
+            </a:r>
+            <a:endParaRPr lang="hu-HU" sz="2800" dirty="0" smtClean="0">
+              <a:solidFill>
+                <a:schemeClr val="bg1"/>
+              </a:solidFill>
+              <a:latin typeface="Montserrat" panose="00000500000000000000" pitchFamily="2" charset="-18"/>
+              <a:ea typeface="Roboto" panose="02000000000000000000" pitchFamily="2" charset="0"/>
+            </a:endParaRPr>
+          </a:p>
+        </p:txBody>
+      </p:sp>
+      <p:sp>
+        <p:nvSpPr>
+          <p:cNvPr id="63" name="Szövegdoboz 62"/>
+          <p:cNvSpPr txBox="1"/>
+          <p:nvPr/>
+        </p:nvSpPr>
+        <p:spPr>
+          <a:xfrm>
+            <a:off x="10563967" y="23146902"/>
+            <a:ext cx="3514128" cy="1074781"/>
+          </a:xfrm>
+          <a:prstGeom prst="rect">
+            <a:avLst/>
+          </a:prstGeom>
+          <a:noFill/>
+        </p:spPr>
+        <p:txBody>
+          <a:bodyPr wrap="square" rtlCol="0">
+            <a:spAutoFit/>
+          </a:bodyPr>
+          <a:lstStyle/>
+          <a:p>
+            <a:pPr>
+              <a:lnSpc>
+                <a:spcPct val="114000"/>
+              </a:lnSpc>
+              <a:spcAft>
+                <a:spcPts val="2400"/>
+              </a:spcAft>
+              <a:buClr>
+                <a:srgbClr val="53A394"/>
+              </a:buClr>
+              <a:buSzPct val="100000"/>
+            </a:pPr>
+            <a:r>
+              <a:rPr lang="hu-HU" sz="2800" dirty="0" err="1" smtClean="0">
+                <a:solidFill>
+                  <a:schemeClr val="bg1"/>
+                </a:solidFill>
+                <a:latin typeface="Montserrat" panose="00000500000000000000" pitchFamily="2" charset="-18"/>
+                <a:ea typeface="Roboto" panose="02000000000000000000" pitchFamily="2" charset="0"/>
+              </a:rPr>
+              <a:t>language</a:t>
+            </a:r>
+            <a:r>
+              <a:rPr lang="hu-HU" sz="2800" dirty="0" smtClean="0">
+                <a:solidFill>
+                  <a:schemeClr val="bg1"/>
+                </a:solidFill>
+                <a:latin typeface="Montserrat" panose="00000500000000000000" pitchFamily="2" charset="-18"/>
+                <a:ea typeface="Roboto" panose="02000000000000000000" pitchFamily="2" charset="0"/>
+              </a:rPr>
+              <a:t> </a:t>
+            </a:r>
+            <a:r>
+              <a:rPr lang="hu-HU" sz="2800" dirty="0" err="1" smtClean="0">
+                <a:solidFill>
+                  <a:schemeClr val="bg1"/>
+                </a:solidFill>
+                <a:latin typeface="Montserrat" panose="00000500000000000000" pitchFamily="2" charset="-18"/>
+                <a:ea typeface="Roboto" panose="02000000000000000000" pitchFamily="2" charset="0"/>
+              </a:rPr>
+              <a:t>processing</a:t>
+            </a:r>
+            <a:r>
+              <a:rPr lang="hu-HU" sz="2800" dirty="0" smtClean="0">
+                <a:solidFill>
+                  <a:schemeClr val="bg1"/>
+                </a:solidFill>
+                <a:latin typeface="Montserrat" panose="00000500000000000000" pitchFamily="2" charset="-18"/>
+                <a:ea typeface="Roboto" panose="02000000000000000000" pitchFamily="2" charset="0"/>
+              </a:rPr>
+              <a:t> </a:t>
+            </a:r>
+            <a:r>
+              <a:rPr lang="hu-HU" sz="2800" dirty="0" err="1" smtClean="0">
+                <a:solidFill>
+                  <a:schemeClr val="bg1"/>
+                </a:solidFill>
+                <a:latin typeface="Montserrat" panose="00000500000000000000" pitchFamily="2" charset="-18"/>
+                <a:ea typeface="Roboto" panose="02000000000000000000" pitchFamily="2" charset="0"/>
+              </a:rPr>
+              <a:t>tasks</a:t>
+            </a:r>
+            <a:endParaRPr lang="hu-HU" sz="2800" dirty="0" smtClean="0">
+              <a:solidFill>
+                <a:schemeClr val="bg1"/>
+              </a:solidFill>
+              <a:latin typeface="Montserrat" panose="00000500000000000000" pitchFamily="2" charset="-18"/>
+              <a:ea typeface="Roboto" panose="02000000000000000000" pitchFamily="2" charset="0"/>
+            </a:endParaRPr>
+          </a:p>
+        </p:txBody>
+      </p:sp>
+      <p:sp>
+        <p:nvSpPr>
+          <p:cNvPr id="64" name="Szövegdoboz 63"/>
+          <p:cNvSpPr txBox="1"/>
+          <p:nvPr/>
+        </p:nvSpPr>
+        <p:spPr>
+          <a:xfrm>
+            <a:off x="2165648" y="24391016"/>
+            <a:ext cx="3655686" cy="4945456"/>
+          </a:xfrm>
+          <a:prstGeom prst="rect">
+            <a:avLst/>
+          </a:prstGeom>
+          <a:noFill/>
+        </p:spPr>
+        <p:txBody>
+          <a:bodyPr wrap="square" rtlCol="0">
+            <a:spAutoFit/>
+          </a:bodyPr>
+          <a:lstStyle/>
+          <a:p>
+            <a:pPr marL="457200" indent="-457200">
+              <a:lnSpc>
+                <a:spcPct val="114000"/>
+              </a:lnSpc>
+              <a:spcAft>
+                <a:spcPts val="2400"/>
+              </a:spcAft>
+              <a:buClr>
+                <a:schemeClr val="bg1"/>
+              </a:buClr>
+              <a:buSzPct val="100000"/>
+              <a:buFont typeface="Arial" panose="020B0604020202020204" pitchFamily="34" charset="0"/>
+              <a:buChar char="•"/>
+            </a:pPr>
+            <a:r>
+              <a:rPr lang="hu-HU" sz="2800" dirty="0" err="1" smtClean="0">
+                <a:solidFill>
+                  <a:schemeClr val="bg1"/>
+                </a:solidFill>
+                <a:latin typeface="Montserrat" panose="00000500000000000000" pitchFamily="2" charset="-18"/>
+                <a:ea typeface="Roboto" panose="02000000000000000000" pitchFamily="2" charset="0"/>
+              </a:rPr>
+              <a:t>word</a:t>
+            </a:r>
+            <a:r>
+              <a:rPr lang="hu-HU" sz="2800" dirty="0" smtClean="0">
+                <a:solidFill>
+                  <a:schemeClr val="bg1"/>
+                </a:solidFill>
+                <a:latin typeface="Montserrat" panose="00000500000000000000" pitchFamily="2" charset="-18"/>
+                <a:ea typeface="Roboto" panose="02000000000000000000" pitchFamily="2" charset="0"/>
+              </a:rPr>
+              <a:t> </a:t>
+            </a:r>
+            <a:r>
+              <a:rPr lang="hu-HU" sz="2800" dirty="0" err="1" smtClean="0">
+                <a:solidFill>
+                  <a:schemeClr val="bg1"/>
+                </a:solidFill>
+                <a:latin typeface="Montserrat" panose="00000500000000000000" pitchFamily="2" charset="-18"/>
+                <a:ea typeface="Roboto" panose="02000000000000000000" pitchFamily="2" charset="0"/>
+              </a:rPr>
+              <a:t>segmentation</a:t>
+            </a:r>
+            <a:endParaRPr lang="hu-HU" sz="2800" dirty="0" smtClean="0">
+              <a:solidFill>
+                <a:schemeClr val="bg1"/>
+              </a:solidFill>
+              <a:latin typeface="Montserrat" panose="00000500000000000000" pitchFamily="2" charset="-18"/>
+              <a:ea typeface="Roboto" panose="02000000000000000000" pitchFamily="2" charset="0"/>
+            </a:endParaRPr>
+          </a:p>
+          <a:p>
+            <a:pPr marL="457200" indent="-457200">
+              <a:lnSpc>
+                <a:spcPct val="114000"/>
+              </a:lnSpc>
+              <a:spcAft>
+                <a:spcPts val="2400"/>
+              </a:spcAft>
+              <a:buClr>
+                <a:schemeClr val="bg1"/>
+              </a:buClr>
+              <a:buSzPct val="100000"/>
+              <a:buFont typeface="Arial" panose="020B0604020202020204" pitchFamily="34" charset="0"/>
+              <a:buChar char="•"/>
+            </a:pPr>
+            <a:r>
+              <a:rPr lang="hu-HU" sz="2800" dirty="0" err="1" smtClean="0">
+                <a:solidFill>
+                  <a:schemeClr val="bg1"/>
+                </a:solidFill>
+                <a:latin typeface="Montserrat" panose="00000500000000000000" pitchFamily="2" charset="-18"/>
+                <a:ea typeface="Roboto" panose="02000000000000000000" pitchFamily="2" charset="0"/>
+              </a:rPr>
+              <a:t>visual</a:t>
+            </a:r>
+            <a:r>
+              <a:rPr lang="hu-HU" sz="2800" dirty="0" smtClean="0">
+                <a:solidFill>
+                  <a:schemeClr val="bg1"/>
+                </a:solidFill>
+                <a:latin typeface="Montserrat" panose="00000500000000000000" pitchFamily="2" charset="-18"/>
+                <a:ea typeface="Roboto" panose="02000000000000000000" pitchFamily="2" charset="0"/>
+              </a:rPr>
+              <a:t> </a:t>
+            </a:r>
+            <a:r>
+              <a:rPr lang="hu-HU" sz="2800" dirty="0" err="1" smtClean="0">
+                <a:solidFill>
+                  <a:schemeClr val="bg1"/>
+                </a:solidFill>
+                <a:latin typeface="Montserrat" panose="00000500000000000000" pitchFamily="2" charset="-18"/>
+                <a:ea typeface="Roboto" panose="02000000000000000000" pitchFamily="2" charset="0"/>
+              </a:rPr>
+              <a:t>segmentation</a:t>
+            </a:r>
+            <a:endParaRPr lang="hu-HU" sz="2800" dirty="0" smtClean="0">
+              <a:solidFill>
+                <a:schemeClr val="bg1"/>
+              </a:solidFill>
+              <a:latin typeface="Montserrat" panose="00000500000000000000" pitchFamily="2" charset="-18"/>
+              <a:ea typeface="Roboto" panose="02000000000000000000" pitchFamily="2" charset="0"/>
+            </a:endParaRPr>
+          </a:p>
+          <a:p>
+            <a:pPr marL="457200" indent="-457200">
+              <a:lnSpc>
+                <a:spcPct val="114000"/>
+              </a:lnSpc>
+              <a:spcAft>
+                <a:spcPts val="2400"/>
+              </a:spcAft>
+              <a:buClr>
+                <a:schemeClr val="bg1"/>
+              </a:buClr>
+              <a:buSzPct val="100000"/>
+              <a:buFont typeface="Arial" panose="020B0604020202020204" pitchFamily="34" charset="0"/>
+              <a:buChar char="•"/>
+            </a:pPr>
+            <a:r>
+              <a:rPr lang="hu-HU" sz="2800" dirty="0" err="1" smtClean="0">
+                <a:solidFill>
+                  <a:schemeClr val="bg1"/>
+                </a:solidFill>
+                <a:latin typeface="Montserrat" panose="00000500000000000000" pitchFamily="2" charset="-18"/>
+                <a:ea typeface="Roboto" panose="02000000000000000000" pitchFamily="2" charset="0"/>
+              </a:rPr>
+              <a:t>artificial</a:t>
+            </a:r>
+            <a:r>
+              <a:rPr lang="hu-HU" sz="2800" dirty="0" smtClean="0">
+                <a:solidFill>
+                  <a:schemeClr val="bg1"/>
+                </a:solidFill>
+                <a:latin typeface="Montserrat" panose="00000500000000000000" pitchFamily="2" charset="-18"/>
+                <a:ea typeface="Roboto" panose="02000000000000000000" pitchFamily="2" charset="0"/>
+              </a:rPr>
+              <a:t> </a:t>
+            </a:r>
+            <a:r>
+              <a:rPr lang="hu-HU" sz="2800" dirty="0" err="1" smtClean="0">
+                <a:solidFill>
+                  <a:schemeClr val="bg1"/>
+                </a:solidFill>
+                <a:latin typeface="Montserrat" panose="00000500000000000000" pitchFamily="2" charset="-18"/>
+                <a:ea typeface="Roboto" panose="02000000000000000000" pitchFamily="2" charset="0"/>
+              </a:rPr>
+              <a:t>grammar</a:t>
+            </a:r>
+            <a:r>
+              <a:rPr lang="hu-HU" sz="2800" dirty="0" smtClean="0">
+                <a:solidFill>
+                  <a:schemeClr val="bg1"/>
+                </a:solidFill>
+                <a:latin typeface="Montserrat" panose="00000500000000000000" pitchFamily="2" charset="-18"/>
+                <a:ea typeface="Roboto" panose="02000000000000000000" pitchFamily="2" charset="0"/>
+              </a:rPr>
+              <a:t> </a:t>
+            </a:r>
+            <a:r>
+              <a:rPr lang="hu-HU" sz="2800" dirty="0" err="1" smtClean="0">
+                <a:solidFill>
+                  <a:schemeClr val="bg1"/>
+                </a:solidFill>
+                <a:latin typeface="Montserrat" panose="00000500000000000000" pitchFamily="2" charset="-18"/>
+                <a:ea typeface="Roboto" panose="02000000000000000000" pitchFamily="2" charset="0"/>
+              </a:rPr>
+              <a:t>learning</a:t>
+            </a:r>
+            <a:endParaRPr lang="hu-HU" sz="2800" dirty="0" smtClean="0">
+              <a:solidFill>
+                <a:schemeClr val="bg1"/>
+              </a:solidFill>
+              <a:latin typeface="Montserrat" panose="00000500000000000000" pitchFamily="2" charset="-18"/>
+              <a:ea typeface="Roboto" panose="02000000000000000000" pitchFamily="2" charset="0"/>
+            </a:endParaRPr>
+          </a:p>
+          <a:p>
+            <a:pPr marL="457200" indent="-457200">
+              <a:lnSpc>
+                <a:spcPct val="114000"/>
+              </a:lnSpc>
+              <a:spcAft>
+                <a:spcPts val="2400"/>
+              </a:spcAft>
+              <a:buClr>
+                <a:schemeClr val="bg1"/>
+              </a:buClr>
+              <a:buSzPct val="100000"/>
+              <a:buFont typeface="Arial" panose="020B0604020202020204" pitchFamily="34" charset="0"/>
+              <a:buChar char="•"/>
+            </a:pPr>
+            <a:r>
+              <a:rPr lang="hu-HU" sz="2800" dirty="0" smtClean="0">
+                <a:solidFill>
+                  <a:schemeClr val="bg1"/>
+                </a:solidFill>
+                <a:latin typeface="Montserrat" panose="00000500000000000000" pitchFamily="2" charset="-18"/>
+                <a:ea typeface="Roboto" panose="02000000000000000000" pitchFamily="2" charset="0"/>
+              </a:rPr>
+              <a:t>NAD </a:t>
+            </a:r>
+            <a:r>
+              <a:rPr lang="hu-HU" sz="2800" dirty="0" err="1" smtClean="0">
+                <a:solidFill>
+                  <a:schemeClr val="bg1"/>
+                </a:solidFill>
+                <a:latin typeface="Montserrat" panose="00000500000000000000" pitchFamily="2" charset="-18"/>
+                <a:ea typeface="Roboto" panose="02000000000000000000" pitchFamily="2" charset="0"/>
+              </a:rPr>
+              <a:t>learning</a:t>
+            </a:r>
+            <a:endParaRPr lang="hu-HU" sz="2800" dirty="0" smtClean="0">
+              <a:solidFill>
+                <a:schemeClr val="bg1"/>
+              </a:solidFill>
+              <a:latin typeface="Montserrat" panose="00000500000000000000" pitchFamily="2" charset="-18"/>
+              <a:ea typeface="Roboto" panose="02000000000000000000" pitchFamily="2" charset="0"/>
+            </a:endParaRPr>
+          </a:p>
+        </p:txBody>
+      </p:sp>
+      <p:sp>
+        <p:nvSpPr>
+          <p:cNvPr id="65" name="Szövegdoboz 64"/>
+          <p:cNvSpPr txBox="1"/>
+          <p:nvPr/>
+        </p:nvSpPr>
+        <p:spPr>
+          <a:xfrm>
+            <a:off x="6468044" y="24391016"/>
+            <a:ext cx="3655686" cy="4945456"/>
+          </a:xfrm>
+          <a:prstGeom prst="rect">
+            <a:avLst/>
+          </a:prstGeom>
+          <a:noFill/>
+        </p:spPr>
+        <p:txBody>
+          <a:bodyPr wrap="square" rtlCol="0">
+            <a:spAutoFit/>
+          </a:bodyPr>
+          <a:lstStyle/>
+          <a:p>
+            <a:pPr marL="457200" indent="-457200">
+              <a:lnSpc>
+                <a:spcPct val="114000"/>
+              </a:lnSpc>
+              <a:spcAft>
+                <a:spcPts val="2400"/>
+              </a:spcAft>
+              <a:buClr>
+                <a:schemeClr val="bg1"/>
+              </a:buClr>
+              <a:buSzPct val="100000"/>
+              <a:buFont typeface="Arial" panose="020B0604020202020204" pitchFamily="34" charset="0"/>
+              <a:buChar char="•"/>
+            </a:pPr>
+            <a:r>
+              <a:rPr lang="hu-HU" sz="2800" dirty="0" err="1" smtClean="0">
+                <a:solidFill>
+                  <a:schemeClr val="bg1"/>
+                </a:solidFill>
+                <a:latin typeface="Montserrat" panose="00000500000000000000" pitchFamily="2" charset="-18"/>
+                <a:ea typeface="Roboto" panose="02000000000000000000" pitchFamily="2" charset="0"/>
+              </a:rPr>
+              <a:t>word</a:t>
+            </a:r>
+            <a:r>
+              <a:rPr lang="hu-HU" sz="2800" dirty="0" smtClean="0">
+                <a:solidFill>
+                  <a:schemeClr val="bg1"/>
+                </a:solidFill>
+                <a:latin typeface="Montserrat" panose="00000500000000000000" pitchFamily="2" charset="-18"/>
+                <a:ea typeface="Roboto" panose="02000000000000000000" pitchFamily="2" charset="0"/>
+              </a:rPr>
+              <a:t> </a:t>
+            </a:r>
+            <a:r>
+              <a:rPr lang="hu-HU" sz="2800" dirty="0" err="1" smtClean="0">
+                <a:solidFill>
+                  <a:schemeClr val="bg1"/>
+                </a:solidFill>
+                <a:latin typeface="Montserrat" panose="00000500000000000000" pitchFamily="2" charset="-18"/>
+                <a:ea typeface="Roboto" panose="02000000000000000000" pitchFamily="2" charset="0"/>
+              </a:rPr>
+              <a:t>segmentation</a:t>
+            </a:r>
+            <a:endParaRPr lang="hu-HU" sz="2800" dirty="0" smtClean="0">
+              <a:solidFill>
+                <a:schemeClr val="bg1"/>
+              </a:solidFill>
+              <a:latin typeface="Montserrat" panose="00000500000000000000" pitchFamily="2" charset="-18"/>
+              <a:ea typeface="Roboto" panose="02000000000000000000" pitchFamily="2" charset="0"/>
+            </a:endParaRPr>
+          </a:p>
+          <a:p>
+            <a:pPr marL="457200" indent="-457200">
+              <a:lnSpc>
+                <a:spcPct val="114000"/>
+              </a:lnSpc>
+              <a:spcAft>
+                <a:spcPts val="2400"/>
+              </a:spcAft>
+              <a:buClr>
+                <a:schemeClr val="bg1"/>
+              </a:buClr>
+              <a:buSzPct val="100000"/>
+              <a:buFont typeface="Arial" panose="020B0604020202020204" pitchFamily="34" charset="0"/>
+              <a:buChar char="•"/>
+            </a:pPr>
+            <a:r>
+              <a:rPr lang="hu-HU" sz="2800" dirty="0" err="1" smtClean="0">
+                <a:solidFill>
+                  <a:schemeClr val="bg1"/>
+                </a:solidFill>
+                <a:latin typeface="Montserrat" panose="00000500000000000000" pitchFamily="2" charset="-18"/>
+                <a:ea typeface="Roboto" panose="02000000000000000000" pitchFamily="2" charset="0"/>
+              </a:rPr>
+              <a:t>visual</a:t>
+            </a:r>
+            <a:r>
+              <a:rPr lang="hu-HU" sz="2800" dirty="0" smtClean="0">
+                <a:solidFill>
+                  <a:schemeClr val="bg1"/>
+                </a:solidFill>
+                <a:latin typeface="Montserrat" panose="00000500000000000000" pitchFamily="2" charset="-18"/>
+                <a:ea typeface="Roboto" panose="02000000000000000000" pitchFamily="2" charset="0"/>
+              </a:rPr>
+              <a:t> </a:t>
+            </a:r>
+            <a:r>
+              <a:rPr lang="hu-HU" sz="2800" dirty="0" err="1" smtClean="0">
+                <a:solidFill>
+                  <a:schemeClr val="bg1"/>
+                </a:solidFill>
+                <a:latin typeface="Montserrat" panose="00000500000000000000" pitchFamily="2" charset="-18"/>
+                <a:ea typeface="Roboto" panose="02000000000000000000" pitchFamily="2" charset="0"/>
+              </a:rPr>
+              <a:t>segmentation</a:t>
+            </a:r>
+            <a:endParaRPr lang="hu-HU" sz="2800" dirty="0" smtClean="0">
+              <a:solidFill>
+                <a:schemeClr val="bg1"/>
+              </a:solidFill>
+              <a:latin typeface="Montserrat" panose="00000500000000000000" pitchFamily="2" charset="-18"/>
+              <a:ea typeface="Roboto" panose="02000000000000000000" pitchFamily="2" charset="0"/>
+            </a:endParaRPr>
+          </a:p>
+          <a:p>
+            <a:pPr marL="457200" indent="-457200">
+              <a:lnSpc>
+                <a:spcPct val="114000"/>
+              </a:lnSpc>
+              <a:spcAft>
+                <a:spcPts val="2400"/>
+              </a:spcAft>
+              <a:buClr>
+                <a:schemeClr val="bg1"/>
+              </a:buClr>
+              <a:buSzPct val="100000"/>
+              <a:buFont typeface="Arial" panose="020B0604020202020204" pitchFamily="34" charset="0"/>
+              <a:buChar char="•"/>
+            </a:pPr>
+            <a:r>
+              <a:rPr lang="hu-HU" sz="2800" dirty="0" err="1" smtClean="0">
+                <a:solidFill>
+                  <a:schemeClr val="bg1"/>
+                </a:solidFill>
+                <a:latin typeface="Montserrat" panose="00000500000000000000" pitchFamily="2" charset="-18"/>
+                <a:ea typeface="Roboto" panose="02000000000000000000" pitchFamily="2" charset="0"/>
+              </a:rPr>
+              <a:t>artificial</a:t>
+            </a:r>
+            <a:r>
+              <a:rPr lang="hu-HU" sz="2800" dirty="0" smtClean="0">
+                <a:solidFill>
+                  <a:schemeClr val="bg1"/>
+                </a:solidFill>
+                <a:latin typeface="Montserrat" panose="00000500000000000000" pitchFamily="2" charset="-18"/>
+                <a:ea typeface="Roboto" panose="02000000000000000000" pitchFamily="2" charset="0"/>
+              </a:rPr>
+              <a:t> </a:t>
+            </a:r>
+            <a:r>
+              <a:rPr lang="hu-HU" sz="2800" dirty="0" err="1" smtClean="0">
+                <a:solidFill>
+                  <a:schemeClr val="bg1"/>
+                </a:solidFill>
+                <a:latin typeface="Montserrat" panose="00000500000000000000" pitchFamily="2" charset="-18"/>
+                <a:ea typeface="Roboto" panose="02000000000000000000" pitchFamily="2" charset="0"/>
+              </a:rPr>
+              <a:t>grammar</a:t>
+            </a:r>
+            <a:r>
+              <a:rPr lang="hu-HU" sz="2800" dirty="0" smtClean="0">
+                <a:solidFill>
+                  <a:schemeClr val="bg1"/>
+                </a:solidFill>
+                <a:latin typeface="Montserrat" panose="00000500000000000000" pitchFamily="2" charset="-18"/>
+                <a:ea typeface="Roboto" panose="02000000000000000000" pitchFamily="2" charset="0"/>
+              </a:rPr>
+              <a:t> </a:t>
+            </a:r>
+            <a:r>
+              <a:rPr lang="hu-HU" sz="2800" dirty="0" err="1" smtClean="0">
+                <a:solidFill>
+                  <a:schemeClr val="bg1"/>
+                </a:solidFill>
+                <a:latin typeface="Montserrat" panose="00000500000000000000" pitchFamily="2" charset="-18"/>
+                <a:ea typeface="Roboto" panose="02000000000000000000" pitchFamily="2" charset="0"/>
+              </a:rPr>
+              <a:t>learning</a:t>
+            </a:r>
+            <a:endParaRPr lang="hu-HU" sz="2800" dirty="0" smtClean="0">
+              <a:solidFill>
+                <a:schemeClr val="bg1"/>
+              </a:solidFill>
+              <a:latin typeface="Montserrat" panose="00000500000000000000" pitchFamily="2" charset="-18"/>
+              <a:ea typeface="Roboto" panose="02000000000000000000" pitchFamily="2" charset="0"/>
+            </a:endParaRPr>
+          </a:p>
+          <a:p>
+            <a:pPr marL="457200" indent="-457200">
+              <a:lnSpc>
+                <a:spcPct val="114000"/>
+              </a:lnSpc>
+              <a:spcAft>
+                <a:spcPts val="2400"/>
+              </a:spcAft>
+              <a:buClr>
+                <a:schemeClr val="bg1"/>
+              </a:buClr>
+              <a:buSzPct val="100000"/>
+              <a:buFont typeface="Arial" panose="020B0604020202020204" pitchFamily="34" charset="0"/>
+              <a:buChar char="•"/>
+            </a:pPr>
+            <a:r>
+              <a:rPr lang="hu-HU" sz="2800" dirty="0" smtClean="0">
+                <a:solidFill>
+                  <a:schemeClr val="bg1"/>
+                </a:solidFill>
+                <a:latin typeface="Montserrat" panose="00000500000000000000" pitchFamily="2" charset="-18"/>
+                <a:ea typeface="Roboto" panose="02000000000000000000" pitchFamily="2" charset="0"/>
+              </a:rPr>
+              <a:t>NAD </a:t>
+            </a:r>
+            <a:r>
+              <a:rPr lang="hu-HU" sz="2800" dirty="0" err="1" smtClean="0">
+                <a:solidFill>
+                  <a:schemeClr val="bg1"/>
+                </a:solidFill>
+                <a:latin typeface="Montserrat" panose="00000500000000000000" pitchFamily="2" charset="-18"/>
+                <a:ea typeface="Roboto" panose="02000000000000000000" pitchFamily="2" charset="0"/>
+              </a:rPr>
+              <a:t>learning</a:t>
+            </a:r>
+            <a:endParaRPr lang="hu-HU" sz="2800" dirty="0" smtClean="0">
+              <a:solidFill>
+                <a:schemeClr val="bg1"/>
+              </a:solidFill>
+              <a:latin typeface="Montserrat" panose="00000500000000000000" pitchFamily="2" charset="-18"/>
+              <a:ea typeface="Roboto" panose="02000000000000000000" pitchFamily="2" charset="0"/>
+            </a:endParaRPr>
+          </a:p>
+        </p:txBody>
+      </p:sp>
+      <p:sp>
+        <p:nvSpPr>
+          <p:cNvPr id="66" name="Szövegdoboz 65"/>
+          <p:cNvSpPr txBox="1"/>
+          <p:nvPr/>
+        </p:nvSpPr>
+        <p:spPr>
+          <a:xfrm>
+            <a:off x="10653598" y="24503957"/>
+            <a:ext cx="3655686" cy="4945456"/>
+          </a:xfrm>
+          <a:prstGeom prst="rect">
+            <a:avLst/>
+          </a:prstGeom>
+          <a:noFill/>
+        </p:spPr>
+        <p:txBody>
+          <a:bodyPr wrap="square" rtlCol="0">
+            <a:spAutoFit/>
+          </a:bodyPr>
+          <a:lstStyle/>
+          <a:p>
+            <a:pPr marL="457200" indent="-457200">
+              <a:lnSpc>
+                <a:spcPct val="114000"/>
+              </a:lnSpc>
+              <a:spcAft>
+                <a:spcPts val="2400"/>
+              </a:spcAft>
+              <a:buClr>
+                <a:schemeClr val="bg1"/>
+              </a:buClr>
+              <a:buSzPct val="100000"/>
+              <a:buFont typeface="Arial" panose="020B0604020202020204" pitchFamily="34" charset="0"/>
+              <a:buChar char="•"/>
+            </a:pPr>
+            <a:r>
+              <a:rPr lang="hu-HU" sz="2800" dirty="0" err="1" smtClean="0">
+                <a:solidFill>
+                  <a:schemeClr val="bg1"/>
+                </a:solidFill>
+                <a:latin typeface="Montserrat" panose="00000500000000000000" pitchFamily="2" charset="-18"/>
+                <a:ea typeface="Roboto" panose="02000000000000000000" pitchFamily="2" charset="0"/>
+              </a:rPr>
+              <a:t>word</a:t>
+            </a:r>
+            <a:r>
+              <a:rPr lang="hu-HU" sz="2800" dirty="0" smtClean="0">
+                <a:solidFill>
+                  <a:schemeClr val="bg1"/>
+                </a:solidFill>
+                <a:latin typeface="Montserrat" panose="00000500000000000000" pitchFamily="2" charset="-18"/>
+                <a:ea typeface="Roboto" panose="02000000000000000000" pitchFamily="2" charset="0"/>
+              </a:rPr>
+              <a:t> </a:t>
+            </a:r>
+            <a:r>
+              <a:rPr lang="hu-HU" sz="2800" dirty="0" err="1" smtClean="0">
+                <a:solidFill>
+                  <a:schemeClr val="bg1"/>
+                </a:solidFill>
+                <a:latin typeface="Montserrat" panose="00000500000000000000" pitchFamily="2" charset="-18"/>
+                <a:ea typeface="Roboto" panose="02000000000000000000" pitchFamily="2" charset="0"/>
+              </a:rPr>
+              <a:t>segmentation</a:t>
+            </a:r>
+            <a:endParaRPr lang="hu-HU" sz="2800" dirty="0" smtClean="0">
+              <a:solidFill>
+                <a:schemeClr val="bg1"/>
+              </a:solidFill>
+              <a:latin typeface="Montserrat" panose="00000500000000000000" pitchFamily="2" charset="-18"/>
+              <a:ea typeface="Roboto" panose="02000000000000000000" pitchFamily="2" charset="0"/>
+            </a:endParaRPr>
+          </a:p>
+          <a:p>
+            <a:pPr marL="457200" indent="-457200">
+              <a:lnSpc>
+                <a:spcPct val="114000"/>
+              </a:lnSpc>
+              <a:spcAft>
+                <a:spcPts val="2400"/>
+              </a:spcAft>
+              <a:buClr>
+                <a:schemeClr val="bg1"/>
+              </a:buClr>
+              <a:buSzPct val="100000"/>
+              <a:buFont typeface="Arial" panose="020B0604020202020204" pitchFamily="34" charset="0"/>
+              <a:buChar char="•"/>
+            </a:pPr>
+            <a:r>
+              <a:rPr lang="hu-HU" sz="2800" dirty="0" err="1" smtClean="0">
+                <a:solidFill>
+                  <a:schemeClr val="bg1"/>
+                </a:solidFill>
+                <a:latin typeface="Montserrat" panose="00000500000000000000" pitchFamily="2" charset="-18"/>
+                <a:ea typeface="Roboto" panose="02000000000000000000" pitchFamily="2" charset="0"/>
+              </a:rPr>
+              <a:t>visual</a:t>
+            </a:r>
+            <a:r>
+              <a:rPr lang="hu-HU" sz="2800" dirty="0" smtClean="0">
+                <a:solidFill>
+                  <a:schemeClr val="bg1"/>
+                </a:solidFill>
+                <a:latin typeface="Montserrat" panose="00000500000000000000" pitchFamily="2" charset="-18"/>
+                <a:ea typeface="Roboto" panose="02000000000000000000" pitchFamily="2" charset="0"/>
+              </a:rPr>
+              <a:t> </a:t>
+            </a:r>
+            <a:r>
+              <a:rPr lang="hu-HU" sz="2800" dirty="0" err="1" smtClean="0">
+                <a:solidFill>
+                  <a:schemeClr val="bg1"/>
+                </a:solidFill>
+                <a:latin typeface="Montserrat" panose="00000500000000000000" pitchFamily="2" charset="-18"/>
+                <a:ea typeface="Roboto" panose="02000000000000000000" pitchFamily="2" charset="0"/>
+              </a:rPr>
+              <a:t>segmentation</a:t>
+            </a:r>
+            <a:endParaRPr lang="hu-HU" sz="2800" dirty="0" smtClean="0">
+              <a:solidFill>
+                <a:schemeClr val="bg1"/>
+              </a:solidFill>
+              <a:latin typeface="Montserrat" panose="00000500000000000000" pitchFamily="2" charset="-18"/>
+              <a:ea typeface="Roboto" panose="02000000000000000000" pitchFamily="2" charset="0"/>
+            </a:endParaRPr>
+          </a:p>
+          <a:p>
+            <a:pPr marL="457200" indent="-457200">
+              <a:lnSpc>
+                <a:spcPct val="114000"/>
+              </a:lnSpc>
+              <a:spcAft>
+                <a:spcPts val="2400"/>
+              </a:spcAft>
+              <a:buClr>
+                <a:schemeClr val="bg1"/>
+              </a:buClr>
+              <a:buSzPct val="100000"/>
+              <a:buFont typeface="Arial" panose="020B0604020202020204" pitchFamily="34" charset="0"/>
+              <a:buChar char="•"/>
+            </a:pPr>
+            <a:r>
+              <a:rPr lang="hu-HU" sz="2800" dirty="0" err="1" smtClean="0">
+                <a:solidFill>
+                  <a:schemeClr val="bg1"/>
+                </a:solidFill>
+                <a:latin typeface="Montserrat" panose="00000500000000000000" pitchFamily="2" charset="-18"/>
+                <a:ea typeface="Roboto" panose="02000000000000000000" pitchFamily="2" charset="0"/>
+              </a:rPr>
+              <a:t>artificial</a:t>
+            </a:r>
+            <a:r>
+              <a:rPr lang="hu-HU" sz="2800" dirty="0" smtClean="0">
+                <a:solidFill>
+                  <a:schemeClr val="bg1"/>
+                </a:solidFill>
+                <a:latin typeface="Montserrat" panose="00000500000000000000" pitchFamily="2" charset="-18"/>
+                <a:ea typeface="Roboto" panose="02000000000000000000" pitchFamily="2" charset="0"/>
+              </a:rPr>
+              <a:t> </a:t>
+            </a:r>
+            <a:r>
+              <a:rPr lang="hu-HU" sz="2800" dirty="0" err="1" smtClean="0">
+                <a:solidFill>
+                  <a:schemeClr val="bg1"/>
+                </a:solidFill>
+                <a:latin typeface="Montserrat" panose="00000500000000000000" pitchFamily="2" charset="-18"/>
+                <a:ea typeface="Roboto" panose="02000000000000000000" pitchFamily="2" charset="0"/>
+              </a:rPr>
+              <a:t>grammar</a:t>
+            </a:r>
+            <a:r>
+              <a:rPr lang="hu-HU" sz="2800" dirty="0" smtClean="0">
+                <a:solidFill>
+                  <a:schemeClr val="bg1"/>
+                </a:solidFill>
+                <a:latin typeface="Montserrat" panose="00000500000000000000" pitchFamily="2" charset="-18"/>
+                <a:ea typeface="Roboto" panose="02000000000000000000" pitchFamily="2" charset="0"/>
+              </a:rPr>
+              <a:t> </a:t>
+            </a:r>
+            <a:r>
+              <a:rPr lang="hu-HU" sz="2800" dirty="0" err="1" smtClean="0">
+                <a:solidFill>
+                  <a:schemeClr val="bg1"/>
+                </a:solidFill>
+                <a:latin typeface="Montserrat" panose="00000500000000000000" pitchFamily="2" charset="-18"/>
+                <a:ea typeface="Roboto" panose="02000000000000000000" pitchFamily="2" charset="0"/>
+              </a:rPr>
+              <a:t>learning</a:t>
+            </a:r>
+            <a:endParaRPr lang="hu-HU" sz="2800" dirty="0" smtClean="0">
+              <a:solidFill>
+                <a:schemeClr val="bg1"/>
+              </a:solidFill>
+              <a:latin typeface="Montserrat" panose="00000500000000000000" pitchFamily="2" charset="-18"/>
+              <a:ea typeface="Roboto" panose="02000000000000000000" pitchFamily="2" charset="0"/>
+            </a:endParaRPr>
+          </a:p>
+          <a:p>
+            <a:pPr marL="457200" indent="-457200">
+              <a:lnSpc>
+                <a:spcPct val="114000"/>
+              </a:lnSpc>
+              <a:spcAft>
+                <a:spcPts val="2400"/>
+              </a:spcAft>
+              <a:buClr>
+                <a:schemeClr val="bg1"/>
+              </a:buClr>
+              <a:buSzPct val="100000"/>
+              <a:buFont typeface="Arial" panose="020B0604020202020204" pitchFamily="34" charset="0"/>
+              <a:buChar char="•"/>
+            </a:pPr>
+            <a:r>
+              <a:rPr lang="hu-HU" sz="2800" dirty="0" smtClean="0">
+                <a:solidFill>
+                  <a:schemeClr val="bg1"/>
+                </a:solidFill>
+                <a:latin typeface="Montserrat" panose="00000500000000000000" pitchFamily="2" charset="-18"/>
+                <a:ea typeface="Roboto" panose="02000000000000000000" pitchFamily="2" charset="0"/>
+              </a:rPr>
+              <a:t>NAD </a:t>
+            </a:r>
+            <a:r>
+              <a:rPr lang="hu-HU" sz="2800" dirty="0" err="1" smtClean="0">
+                <a:solidFill>
+                  <a:schemeClr val="bg1"/>
+                </a:solidFill>
+                <a:latin typeface="Montserrat" panose="00000500000000000000" pitchFamily="2" charset="-18"/>
+                <a:ea typeface="Roboto" panose="02000000000000000000" pitchFamily="2" charset="0"/>
+              </a:rPr>
+              <a:t>learning</a:t>
+            </a:r>
+            <a:endParaRPr lang="hu-HU" sz="2800" dirty="0" smtClean="0">
+              <a:solidFill>
+                <a:schemeClr val="bg1"/>
+              </a:solidFill>
+              <a:latin typeface="Montserrat" panose="00000500000000000000" pitchFamily="2" charset="-18"/>
+              <a:ea typeface="Roboto" panose="02000000000000000000" pitchFamily="2" charset="0"/>
+            </a:endParaRPr>
           </a:p>
         </p:txBody>
       </p:sp>
